--- a/TEXcerto.pptx
+++ b/TEXcerto.pptx
@@ -6,20 +6,23 @@
   </p:sldMasterIdLst>
   <p:sldIdLst>
     <p:sldId id="256" r:id="rId2"/>
-    <p:sldId id="257" r:id="rId3"/>
-    <p:sldId id="258" r:id="rId4"/>
-    <p:sldId id="259" r:id="rId5"/>
-    <p:sldId id="267" r:id="rId6"/>
-    <p:sldId id="268" r:id="rId7"/>
-    <p:sldId id="260" r:id="rId8"/>
-    <p:sldId id="261" r:id="rId9"/>
-    <p:sldId id="262" r:id="rId10"/>
-    <p:sldId id="263" r:id="rId11"/>
-    <p:sldId id="264" r:id="rId12"/>
-    <p:sldId id="265" r:id="rId13"/>
-    <p:sldId id="266" r:id="rId14"/>
-    <p:sldId id="270" r:id="rId15"/>
-    <p:sldId id="269" r:id="rId16"/>
+    <p:sldId id="271" r:id="rId3"/>
+    <p:sldId id="257" r:id="rId4"/>
+    <p:sldId id="258" r:id="rId5"/>
+    <p:sldId id="259" r:id="rId6"/>
+    <p:sldId id="273" r:id="rId7"/>
+    <p:sldId id="267" r:id="rId8"/>
+    <p:sldId id="268" r:id="rId9"/>
+    <p:sldId id="260" r:id="rId10"/>
+    <p:sldId id="270" r:id="rId11"/>
+    <p:sldId id="269" r:id="rId12"/>
+    <p:sldId id="274" r:id="rId13"/>
+    <p:sldId id="261" r:id="rId14"/>
+    <p:sldId id="262" r:id="rId15"/>
+    <p:sldId id="263" r:id="rId16"/>
+    <p:sldId id="264" r:id="rId17"/>
+    <p:sldId id="265" r:id="rId18"/>
+    <p:sldId id="266" r:id="rId19"/>
   </p:sldIdLst>
   <p:sldSz cx="12192000" cy="6858000"/>
   <p:notesSz cx="6858000" cy="9144000"/>
@@ -118,6 +121,11 @@
       </a:defRPr>
     </a:lvl9pPr>
   </p:defaultTextStyle>
+  <p:extLst>
+    <p:ext uri="{EFAFB233-063F-42B5-8137-9DF3F51BA10A}">
+      <p15:sldGuideLst xmlns:p15="http://schemas.microsoft.com/office/powerpoint/2012/main"/>
+    </p:ext>
+  </p:extLst>
 </p:presentation>
 </file>
 
@@ -347,7 +355,7 @@
           <a:p>
             <a:fld id="{3C568B85-0517-4BE6-8ABA-A9D7A3918E1E}" type="datetimeFigureOut">
               <a:rPr lang="pt-BR" smtClean="0"/>
-              <a:t>21/11/2017</a:t>
+              <a:t>22/11/2017</a:t>
             </a:fld>
             <a:endParaRPr lang="pt-BR"/>
           </a:p>
@@ -555,7 +563,7 @@
           <a:p>
             <a:fld id="{3C568B85-0517-4BE6-8ABA-A9D7A3918E1E}" type="datetimeFigureOut">
               <a:rPr lang="pt-BR" smtClean="0"/>
-              <a:t>21/11/2017</a:t>
+              <a:t>22/11/2017</a:t>
             </a:fld>
             <a:endParaRPr lang="pt-BR"/>
           </a:p>
@@ -811,7 +819,7 @@
           <a:p>
             <a:fld id="{3C568B85-0517-4BE6-8ABA-A9D7A3918E1E}" type="datetimeFigureOut">
               <a:rPr lang="pt-BR" smtClean="0"/>
-              <a:t>21/11/2017</a:t>
+              <a:t>22/11/2017</a:t>
             </a:fld>
             <a:endParaRPr lang="pt-BR"/>
           </a:p>
@@ -981,7 +989,7 @@
           <a:p>
             <a:fld id="{3C568B85-0517-4BE6-8ABA-A9D7A3918E1E}" type="datetimeFigureOut">
               <a:rPr lang="pt-BR" smtClean="0"/>
-              <a:t>21/11/2017</a:t>
+              <a:t>22/11/2017</a:t>
             </a:fld>
             <a:endParaRPr lang="pt-BR"/>
           </a:p>
@@ -1324,7 +1332,7 @@
           <a:p>
             <a:fld id="{3C568B85-0517-4BE6-8ABA-A9D7A3918E1E}" type="datetimeFigureOut">
               <a:rPr lang="pt-BR" smtClean="0"/>
-              <a:t>21/11/2017</a:t>
+              <a:t>22/11/2017</a:t>
             </a:fld>
             <a:endParaRPr lang="pt-BR"/>
           </a:p>
@@ -1599,7 +1607,7 @@
           <a:p>
             <a:fld id="{3C568B85-0517-4BE6-8ABA-A9D7A3918E1E}" type="datetimeFigureOut">
               <a:rPr lang="pt-BR" smtClean="0"/>
-              <a:t>21/11/2017</a:t>
+              <a:t>22/11/2017</a:t>
             </a:fld>
             <a:endParaRPr lang="pt-BR"/>
           </a:p>
@@ -1978,7 +1986,7 @@
           <a:p>
             <a:fld id="{3C568B85-0517-4BE6-8ABA-A9D7A3918E1E}" type="datetimeFigureOut">
               <a:rPr lang="pt-BR" smtClean="0"/>
-              <a:t>21/11/2017</a:t>
+              <a:t>22/11/2017</a:t>
             </a:fld>
             <a:endParaRPr lang="pt-BR"/>
           </a:p>
@@ -2096,7 +2104,7 @@
           <a:p>
             <a:fld id="{3C568B85-0517-4BE6-8ABA-A9D7A3918E1E}" type="datetimeFigureOut">
               <a:rPr lang="pt-BR" smtClean="0"/>
-              <a:t>21/11/2017</a:t>
+              <a:t>22/11/2017</a:t>
             </a:fld>
             <a:endParaRPr lang="pt-BR"/>
           </a:p>
@@ -2267,7 +2275,7 @@
           <a:p>
             <a:fld id="{3C568B85-0517-4BE6-8ABA-A9D7A3918E1E}" type="datetimeFigureOut">
               <a:rPr lang="pt-BR" smtClean="0"/>
-              <a:t>21/11/2017</a:t>
+              <a:t>22/11/2017</a:t>
             </a:fld>
             <a:endParaRPr lang="pt-BR"/>
           </a:p>
@@ -2621,7 +2629,7 @@
           <a:p>
             <a:fld id="{3C568B85-0517-4BE6-8ABA-A9D7A3918E1E}" type="datetimeFigureOut">
               <a:rPr lang="pt-BR" smtClean="0"/>
-              <a:t>21/11/2017</a:t>
+              <a:t>22/11/2017</a:t>
             </a:fld>
             <a:endParaRPr lang="pt-BR"/>
           </a:p>
@@ -2998,7 +3006,7 @@
           <a:p>
             <a:fld id="{3C568B85-0517-4BE6-8ABA-A9D7A3918E1E}" type="datetimeFigureOut">
               <a:rPr lang="pt-BR" smtClean="0"/>
-              <a:t>21/11/2017</a:t>
+              <a:t>22/11/2017</a:t>
             </a:fld>
             <a:endParaRPr lang="pt-BR"/>
           </a:p>
@@ -3285,7 +3293,7 @@
           <a:p>
             <a:fld id="{3C568B85-0517-4BE6-8ABA-A9D7A3918E1E}" type="datetimeFigureOut">
               <a:rPr lang="pt-BR" smtClean="0"/>
-              <a:t>21/11/2017</a:t>
+              <a:t>22/11/2017</a:t>
             </a:fld>
             <a:endParaRPr lang="pt-BR"/>
           </a:p>
@@ -3907,7 +3915,21 @@
                 <a:latin typeface="Times New Roman" panose="02020603050405020304" pitchFamily="18" charset="0"/>
                 <a:cs typeface="Times New Roman" panose="02020603050405020304" pitchFamily="18" charset="0"/>
               </a:rPr>
-              <a:t>               Kevin Mello</a:t>
+              <a:t>              </a:t>
+            </a:r>
+            <a:r>
+              <a:rPr lang="pt-BR" dirty="0" smtClean="0">
+                <a:latin typeface="Times New Roman" panose="02020603050405020304" pitchFamily="18" charset="0"/>
+                <a:cs typeface="Times New Roman" panose="02020603050405020304" pitchFamily="18" charset="0"/>
+              </a:rPr>
+              <a:t>Kevin </a:t>
+            </a:r>
+            <a:r>
+              <a:rPr lang="pt-BR" dirty="0" smtClean="0">
+                <a:latin typeface="Times New Roman" panose="02020603050405020304" pitchFamily="18" charset="0"/>
+                <a:cs typeface="Times New Roman" panose="02020603050405020304" pitchFamily="18" charset="0"/>
+              </a:rPr>
+              <a:t>Mello</a:t>
             </a:r>
           </a:p>
           <a:p>
@@ -3923,7 +3945,21 @@
                 <a:latin typeface="Times New Roman" panose="02020603050405020304" pitchFamily="18" charset="0"/>
                 <a:cs typeface="Times New Roman" panose="02020603050405020304" pitchFamily="18" charset="0"/>
               </a:rPr>
-              <a:t>              Leonardo Soares </a:t>
+              <a:t>             </a:t>
+            </a:r>
+            <a:r>
+              <a:rPr lang="pt-BR" dirty="0" smtClean="0">
+                <a:latin typeface="Times New Roman" panose="02020603050405020304" pitchFamily="18" charset="0"/>
+                <a:cs typeface="Times New Roman" panose="02020603050405020304" pitchFamily="18" charset="0"/>
+              </a:rPr>
+              <a:t>Leonardo </a:t>
+            </a:r>
+            <a:r>
+              <a:rPr lang="pt-BR" dirty="0" smtClean="0">
+                <a:latin typeface="Times New Roman" panose="02020603050405020304" pitchFamily="18" charset="0"/>
+                <a:cs typeface="Times New Roman" panose="02020603050405020304" pitchFamily="18" charset="0"/>
+              </a:rPr>
+              <a:t>Soares </a:t>
             </a:r>
             <a:r>
               <a:rPr lang="pt-BR" dirty="0" err="1" smtClean="0">
@@ -3943,7 +3979,7 @@
                 <a:latin typeface="Times New Roman" panose="02020603050405020304" pitchFamily="18" charset="0"/>
                 <a:cs typeface="Times New Roman" panose="02020603050405020304" pitchFamily="18" charset="0"/>
               </a:rPr>
-              <a:t>               </a:t>
+              <a:t>              </a:t>
             </a:r>
             <a:r>
               <a:rPr lang="pt-BR" dirty="0" err="1" smtClean="0">
@@ -3957,7 +3993,14 @@
                 <a:latin typeface="Times New Roman" panose="02020603050405020304" pitchFamily="18" charset="0"/>
                 <a:cs typeface="Times New Roman" panose="02020603050405020304" pitchFamily="18" charset="0"/>
               </a:rPr>
-              <a:t> de Azevedo </a:t>
+              <a:t> </a:t>
+            </a:r>
+            <a:r>
+              <a:rPr lang="pt-BR" dirty="0" smtClean="0">
+                <a:latin typeface="Times New Roman" panose="02020603050405020304" pitchFamily="18" charset="0"/>
+                <a:cs typeface="Times New Roman" panose="02020603050405020304" pitchFamily="18" charset="0"/>
+              </a:rPr>
+              <a:t>de Azevedo </a:t>
             </a:r>
             <a:r>
               <a:rPr lang="pt-BR" dirty="0" err="1" smtClean="0">
@@ -4064,23 +4107,10 @@
           <a:p>
             <a:pPr algn="ctr"/>
             <a:r>
-              <a:rPr lang="pt-BR" dirty="0" smtClean="0">
-                <a:latin typeface="Times New Roman" panose="02020603050405020304" pitchFamily="18" charset="0"/>
-                <a:cs typeface="Times New Roman" panose="02020603050405020304" pitchFamily="18" charset="0"/>
-              </a:rPr>
-              <a:t>Página de </a:t>
-            </a:r>
-            <a:r>
-              <a:rPr lang="pt-BR" dirty="0" err="1" smtClean="0">
-                <a:latin typeface="Times New Roman" panose="02020603050405020304" pitchFamily="18" charset="0"/>
-                <a:cs typeface="Times New Roman" panose="02020603050405020304" pitchFamily="18" charset="0"/>
-              </a:rPr>
-              <a:t>login</a:t>
-            </a:r>
-            <a:endParaRPr lang="pt-BR" dirty="0">
-              <a:latin typeface="Times New Roman" panose="02020603050405020304" pitchFamily="18" charset="0"/>
-              <a:cs typeface="Times New Roman" panose="02020603050405020304" pitchFamily="18" charset="0"/>
-            </a:endParaRPr>
+              <a:rPr lang="pt-BR" dirty="0" smtClean="0"/>
+              <a:t>CONCLUSÃO</a:t>
+            </a:r>
+            <a:endParaRPr lang="pt-BR" dirty="0"/>
           </a:p>
         </p:txBody>
       </p:sp>
@@ -4113,93 +4143,311 @@
           </a:xfrm>
         </p:spPr>
       </p:pic>
-      <p:pic>
-        <p:nvPicPr>
-          <p:cNvPr id="3" name="Imagem 2"/>
-          <p:cNvPicPr>
-            <a:picLocks noChangeAspect="1"/>
-          </p:cNvPicPr>
+      <p:sp>
+        <p:nvSpPr>
+          <p:cNvPr id="7" name="Espaço Reservado para Conteúdo 2"/>
+          <p:cNvSpPr txBox="1">
+            <a:spLocks/>
+          </p:cNvSpPr>
           <p:nvPr/>
-        </p:nvPicPr>
-        <p:blipFill>
-          <a:blip r:embed="rId3">
-            <a:extLst>
-              <a:ext uri="{28A0092B-C50C-407E-A947-70E740481C1C}">
-                <a14:useLocalDpi xmlns:a14="http://schemas.microsoft.com/office/drawing/2010/main" val="0"/>
-              </a:ext>
-            </a:extLst>
-          </a:blip>
-          <a:stretch>
-            <a:fillRect/>
-          </a:stretch>
-        </p:blipFill>
-        <p:spPr>
-          <a:xfrm>
-            <a:off x="2063336" y="1947761"/>
-            <a:ext cx="8217725" cy="4279556"/>
+        </p:nvSpPr>
+        <p:spPr>
+          <a:xfrm>
+            <a:off x="1097280" y="1845734"/>
+            <a:ext cx="10058400" cy="4023360"/>
           </a:xfrm>
           <a:prstGeom prst="rect">
             <a:avLst/>
           </a:prstGeom>
         </p:spPr>
-      </p:pic>
-      <p:sp>
-        <p:nvSpPr>
-          <p:cNvPr id="7" name="CaixaDeTexto 6"/>
-          <p:cNvSpPr txBox="1"/>
-          <p:nvPr/>
-        </p:nvSpPr>
-        <p:spPr>
-          <a:xfrm>
-            <a:off x="0" y="6414643"/>
-            <a:ext cx="12192000" cy="369332"/>
-          </a:xfrm>
-          <a:prstGeom prst="rect">
-            <a:avLst/>
-          </a:prstGeom>
-          <a:noFill/>
-        </p:spPr>
-        <p:txBody>
-          <a:bodyPr wrap="square" rtlCol="0">
-            <a:spAutoFit/>
+        <p:txBody>
+          <a:bodyPr vert="horz" lIns="0" tIns="45720" rIns="0" bIns="45720" rtlCol="0">
+            <a:normAutofit/>
           </a:bodyPr>
-          <a:lstStyle/>
-          <a:p>
-            <a:pPr algn="ctr"/>
+          <a:lstStyle>
+            <a:lvl1pPr marL="91440" indent="-91440" algn="l" defTabSz="914400" rtl="0" eaLnBrk="1" latinLnBrk="0" hangingPunct="1">
+              <a:lnSpc>
+                <a:spcPct val="90000"/>
+              </a:lnSpc>
+              <a:spcBef>
+                <a:spcPts val="1200"/>
+              </a:spcBef>
+              <a:spcAft>
+                <a:spcPts val="200"/>
+              </a:spcAft>
+              <a:buClr>
+                <a:schemeClr val="accent1"/>
+              </a:buClr>
+              <a:buSzPct val="100000"/>
+              <a:buFont typeface="Calibri" panose="020F0502020204030204" pitchFamily="34" charset="0"/>
+              <a:buChar char=" "/>
+              <a:defRPr sz="2000" kern="1200">
+                <a:solidFill>
+                  <a:schemeClr val="tx1">
+                    <a:lumMod val="75000"/>
+                    <a:lumOff val="25000"/>
+                  </a:schemeClr>
+                </a:solidFill>
+                <a:latin typeface="+mn-lt"/>
+                <a:ea typeface="+mn-ea"/>
+                <a:cs typeface="+mn-cs"/>
+              </a:defRPr>
+            </a:lvl1pPr>
+            <a:lvl2pPr marL="384048" indent="-182880" algn="l" defTabSz="914400" rtl="0" eaLnBrk="1" latinLnBrk="0" hangingPunct="1">
+              <a:lnSpc>
+                <a:spcPct val="90000"/>
+              </a:lnSpc>
+              <a:spcBef>
+                <a:spcPts val="200"/>
+              </a:spcBef>
+              <a:spcAft>
+                <a:spcPts val="400"/>
+              </a:spcAft>
+              <a:buClr>
+                <a:schemeClr val="accent1"/>
+              </a:buClr>
+              <a:buFont typeface="Calibri" pitchFamily="34" charset="0"/>
+              <a:buChar char="◦"/>
+              <a:defRPr sz="1800" kern="1200">
+                <a:solidFill>
+                  <a:schemeClr val="tx1">
+                    <a:lumMod val="75000"/>
+                    <a:lumOff val="25000"/>
+                  </a:schemeClr>
+                </a:solidFill>
+                <a:latin typeface="+mn-lt"/>
+                <a:ea typeface="+mn-ea"/>
+                <a:cs typeface="+mn-cs"/>
+              </a:defRPr>
+            </a:lvl2pPr>
+            <a:lvl3pPr marL="566928" indent="-182880" algn="l" defTabSz="914400" rtl="0" eaLnBrk="1" latinLnBrk="0" hangingPunct="1">
+              <a:lnSpc>
+                <a:spcPct val="90000"/>
+              </a:lnSpc>
+              <a:spcBef>
+                <a:spcPts val="200"/>
+              </a:spcBef>
+              <a:spcAft>
+                <a:spcPts val="400"/>
+              </a:spcAft>
+              <a:buClr>
+                <a:schemeClr val="accent1"/>
+              </a:buClr>
+              <a:buFont typeface="Calibri" pitchFamily="34" charset="0"/>
+              <a:buChar char="◦"/>
+              <a:defRPr sz="1400" kern="1200">
+                <a:solidFill>
+                  <a:schemeClr val="tx1">
+                    <a:lumMod val="75000"/>
+                    <a:lumOff val="25000"/>
+                  </a:schemeClr>
+                </a:solidFill>
+                <a:latin typeface="+mn-lt"/>
+                <a:ea typeface="+mn-ea"/>
+                <a:cs typeface="+mn-cs"/>
+              </a:defRPr>
+            </a:lvl3pPr>
+            <a:lvl4pPr marL="749808" indent="-182880" algn="l" defTabSz="914400" rtl="0" eaLnBrk="1" latinLnBrk="0" hangingPunct="1">
+              <a:lnSpc>
+                <a:spcPct val="90000"/>
+              </a:lnSpc>
+              <a:spcBef>
+                <a:spcPts val="200"/>
+              </a:spcBef>
+              <a:spcAft>
+                <a:spcPts val="400"/>
+              </a:spcAft>
+              <a:buClr>
+                <a:schemeClr val="accent1"/>
+              </a:buClr>
+              <a:buFont typeface="Calibri" pitchFamily="34" charset="0"/>
+              <a:buChar char="◦"/>
+              <a:defRPr sz="1400" kern="1200">
+                <a:solidFill>
+                  <a:schemeClr val="tx1">
+                    <a:lumMod val="75000"/>
+                    <a:lumOff val="25000"/>
+                  </a:schemeClr>
+                </a:solidFill>
+                <a:latin typeface="+mn-lt"/>
+                <a:ea typeface="+mn-ea"/>
+                <a:cs typeface="+mn-cs"/>
+              </a:defRPr>
+            </a:lvl4pPr>
+            <a:lvl5pPr marL="932688" indent="-182880" algn="l" defTabSz="914400" rtl="0" eaLnBrk="1" latinLnBrk="0" hangingPunct="1">
+              <a:lnSpc>
+                <a:spcPct val="90000"/>
+              </a:lnSpc>
+              <a:spcBef>
+                <a:spcPts val="200"/>
+              </a:spcBef>
+              <a:spcAft>
+                <a:spcPts val="400"/>
+              </a:spcAft>
+              <a:buClr>
+                <a:schemeClr val="accent1"/>
+              </a:buClr>
+              <a:buFont typeface="Calibri" pitchFamily="34" charset="0"/>
+              <a:buChar char="◦"/>
+              <a:defRPr sz="1400" kern="1200">
+                <a:solidFill>
+                  <a:schemeClr val="tx1">
+                    <a:lumMod val="75000"/>
+                    <a:lumOff val="25000"/>
+                  </a:schemeClr>
+                </a:solidFill>
+                <a:latin typeface="+mn-lt"/>
+                <a:ea typeface="+mn-ea"/>
+                <a:cs typeface="+mn-cs"/>
+              </a:defRPr>
+            </a:lvl5pPr>
+            <a:lvl6pPr marL="1100000" indent="-228600" algn="l" defTabSz="914400" rtl="0" eaLnBrk="1" latinLnBrk="0" hangingPunct="1">
+              <a:lnSpc>
+                <a:spcPct val="90000"/>
+              </a:lnSpc>
+              <a:spcBef>
+                <a:spcPts val="200"/>
+              </a:spcBef>
+              <a:spcAft>
+                <a:spcPts val="400"/>
+              </a:spcAft>
+              <a:buClr>
+                <a:schemeClr val="accent1"/>
+              </a:buClr>
+              <a:buFont typeface="Calibri" pitchFamily="34" charset="0"/>
+              <a:buChar char="◦"/>
+              <a:defRPr sz="1400" kern="1200">
+                <a:solidFill>
+                  <a:schemeClr val="tx1">
+                    <a:lumMod val="75000"/>
+                    <a:lumOff val="25000"/>
+                  </a:schemeClr>
+                </a:solidFill>
+                <a:latin typeface="+mn-lt"/>
+                <a:ea typeface="+mn-ea"/>
+                <a:cs typeface="+mn-cs"/>
+              </a:defRPr>
+            </a:lvl6pPr>
+            <a:lvl7pPr marL="1300000" indent="-228600" algn="l" defTabSz="914400" rtl="0" eaLnBrk="1" latinLnBrk="0" hangingPunct="1">
+              <a:lnSpc>
+                <a:spcPct val="90000"/>
+              </a:lnSpc>
+              <a:spcBef>
+                <a:spcPts val="200"/>
+              </a:spcBef>
+              <a:spcAft>
+                <a:spcPts val="400"/>
+              </a:spcAft>
+              <a:buClr>
+                <a:schemeClr val="accent1"/>
+              </a:buClr>
+              <a:buFont typeface="Calibri" pitchFamily="34" charset="0"/>
+              <a:buChar char="◦"/>
+              <a:defRPr sz="1400" kern="1200">
+                <a:solidFill>
+                  <a:schemeClr val="tx1">
+                    <a:lumMod val="75000"/>
+                    <a:lumOff val="25000"/>
+                  </a:schemeClr>
+                </a:solidFill>
+                <a:latin typeface="+mn-lt"/>
+                <a:ea typeface="+mn-ea"/>
+                <a:cs typeface="+mn-cs"/>
+              </a:defRPr>
+            </a:lvl7pPr>
+            <a:lvl8pPr marL="1500000" indent="-228600" algn="l" defTabSz="914400" rtl="0" eaLnBrk="1" latinLnBrk="0" hangingPunct="1">
+              <a:lnSpc>
+                <a:spcPct val="90000"/>
+              </a:lnSpc>
+              <a:spcBef>
+                <a:spcPts val="200"/>
+              </a:spcBef>
+              <a:spcAft>
+                <a:spcPts val="400"/>
+              </a:spcAft>
+              <a:buClr>
+                <a:schemeClr val="accent1"/>
+              </a:buClr>
+              <a:buFont typeface="Calibri" pitchFamily="34" charset="0"/>
+              <a:buChar char="◦"/>
+              <a:defRPr sz="1400" kern="1200">
+                <a:solidFill>
+                  <a:schemeClr val="tx1">
+                    <a:lumMod val="75000"/>
+                    <a:lumOff val="25000"/>
+                  </a:schemeClr>
+                </a:solidFill>
+                <a:latin typeface="+mn-lt"/>
+                <a:ea typeface="+mn-ea"/>
+                <a:cs typeface="+mn-cs"/>
+              </a:defRPr>
+            </a:lvl8pPr>
+            <a:lvl9pPr marL="1700000" indent="-228600" algn="l" defTabSz="914400" rtl="0" eaLnBrk="1" latinLnBrk="0" hangingPunct="1">
+              <a:lnSpc>
+                <a:spcPct val="90000"/>
+              </a:lnSpc>
+              <a:spcBef>
+                <a:spcPts val="200"/>
+              </a:spcBef>
+              <a:spcAft>
+                <a:spcPts val="400"/>
+              </a:spcAft>
+              <a:buClr>
+                <a:schemeClr val="accent1"/>
+              </a:buClr>
+              <a:buFont typeface="Calibri" pitchFamily="34" charset="0"/>
+              <a:buChar char="◦"/>
+              <a:defRPr sz="1400" kern="1200">
+                <a:solidFill>
+                  <a:schemeClr val="tx1">
+                    <a:lumMod val="75000"/>
+                    <a:lumOff val="25000"/>
+                  </a:schemeClr>
+                </a:solidFill>
+                <a:latin typeface="+mn-lt"/>
+                <a:ea typeface="+mn-ea"/>
+                <a:cs typeface="+mn-cs"/>
+              </a:defRPr>
+            </a:lvl9pPr>
+          </a:lstStyle>
+          <a:p>
+            <a:pPr>
+              <a:lnSpc>
+                <a:spcPct val="150000"/>
+              </a:lnSpc>
+              <a:buFont typeface="Wingdings" panose="05000000000000000000" pitchFamily="2" charset="2"/>
+              <a:buChar char="ü"/>
+            </a:pPr>
             <a:r>
               <a:rPr lang="pt-BR" dirty="0" smtClean="0">
-                <a:solidFill>
-                  <a:schemeClr val="bg1"/>
-                </a:solidFill>
-                <a:latin typeface="Times New Roman" panose="02020603050405020304" pitchFamily="18" charset="0"/>
-                <a:cs typeface="Times New Roman" panose="02020603050405020304" pitchFamily="18" charset="0"/>
-              </a:rPr>
-              <a:t>Figura 13: Página de </a:t>
-            </a:r>
-            <a:r>
-              <a:rPr lang="pt-BR" dirty="0" err="1" smtClean="0">
-                <a:solidFill>
-                  <a:schemeClr val="bg1"/>
-                </a:solidFill>
-                <a:latin typeface="Times New Roman" panose="02020603050405020304" pitchFamily="18" charset="0"/>
-                <a:cs typeface="Times New Roman" panose="02020603050405020304" pitchFamily="18" charset="0"/>
-              </a:rPr>
-              <a:t>login</a:t>
-            </a:r>
-            <a:endParaRPr lang="pt-BR" dirty="0">
-              <a:solidFill>
-                <a:schemeClr val="bg1"/>
-              </a:solidFill>
-              <a:latin typeface="Times New Roman" panose="02020603050405020304" pitchFamily="18" charset="0"/>
-              <a:cs typeface="Times New Roman" panose="02020603050405020304" pitchFamily="18" charset="0"/>
-            </a:endParaRPr>
+                <a:latin typeface="Times New Roman" panose="02020603050405020304" pitchFamily="18" charset="0"/>
+                <a:cs typeface="Times New Roman" panose="02020603050405020304" pitchFamily="18" charset="0"/>
+              </a:rPr>
+              <a:t>Objetivos alcançados;</a:t>
+            </a:r>
+          </a:p>
+          <a:p>
+            <a:pPr>
+              <a:lnSpc>
+                <a:spcPct val="150000"/>
+              </a:lnSpc>
+              <a:buFont typeface="Wingdings" panose="05000000000000000000" pitchFamily="2" charset="2"/>
+              <a:buChar char="ü"/>
+            </a:pPr>
+            <a:r>
+              <a:rPr lang="pt-BR" dirty="0" smtClean="0">
+                <a:latin typeface="Times New Roman" panose="02020603050405020304" pitchFamily="18" charset="0"/>
+                <a:cs typeface="Times New Roman" panose="02020603050405020304" pitchFamily="18" charset="0"/>
+              </a:rPr>
+              <a:t>Projetos futuros;</a:t>
+            </a:r>
           </a:p>
         </p:txBody>
       </p:sp>
     </p:spTree>
     <p:extLst>
       <p:ext uri="{BB962C8B-B14F-4D97-AF65-F5344CB8AC3E}">
-        <p14:creationId xmlns:p14="http://schemas.microsoft.com/office/powerpoint/2010/main" val="3083084802"/>
+        <p14:creationId xmlns:p14="http://schemas.microsoft.com/office/powerpoint/2010/main" val="328228672"/>
       </p:ext>
     </p:extLst>
   </p:cSld>
@@ -4259,7 +4507,7 @@
                 <a:latin typeface="Times New Roman" panose="02020603050405020304" pitchFamily="18" charset="0"/>
                 <a:cs typeface="Times New Roman" panose="02020603050405020304" pitchFamily="18" charset="0"/>
               </a:rPr>
-              <a:t>Página de cadastro de receita</a:t>
+              <a:t>REFERÊNCIAS</a:t>
             </a:r>
             <a:endParaRPr lang="pt-BR" dirty="0">
               <a:latin typeface="Times New Roman" panose="02020603050405020304" pitchFamily="18" charset="0"/>
@@ -4297,83 +4545,617 @@
           </a:xfrm>
         </p:spPr>
       </p:pic>
-      <p:pic>
-        <p:nvPicPr>
-          <p:cNvPr id="4" name="Imagem 3"/>
-          <p:cNvPicPr>
-            <a:picLocks noChangeAspect="1"/>
-          </p:cNvPicPr>
+      <p:sp>
+        <p:nvSpPr>
+          <p:cNvPr id="6" name="Espaço Reservado para Conteúdo 2"/>
+          <p:cNvSpPr txBox="1">
+            <a:spLocks/>
+          </p:cNvSpPr>
           <p:nvPr/>
-        </p:nvPicPr>
-        <p:blipFill>
-          <a:blip r:embed="rId3">
-            <a:extLst>
-              <a:ext uri="{28A0092B-C50C-407E-A947-70E740481C1C}">
-                <a14:useLocalDpi xmlns:a14="http://schemas.microsoft.com/office/drawing/2010/main" val="0"/>
-              </a:ext>
-            </a:extLst>
-          </a:blip>
-          <a:stretch>
-            <a:fillRect/>
-          </a:stretch>
-        </p:blipFill>
-        <p:spPr>
-          <a:xfrm>
-            <a:off x="2316301" y="1888382"/>
-            <a:ext cx="7711795" cy="4393663"/>
+        </p:nvSpPr>
+        <p:spPr>
+          <a:xfrm>
+            <a:off x="1097280" y="1845734"/>
+            <a:ext cx="10058400" cy="4023360"/>
           </a:xfrm>
           <a:prstGeom prst="rect">
             <a:avLst/>
           </a:prstGeom>
         </p:spPr>
-      </p:pic>
-      <p:sp>
-        <p:nvSpPr>
-          <p:cNvPr id="6" name="CaixaDeTexto 5"/>
-          <p:cNvSpPr txBox="1"/>
-          <p:nvPr/>
-        </p:nvSpPr>
-        <p:spPr>
-          <a:xfrm>
-            <a:off x="0" y="6414643"/>
-            <a:ext cx="12192000" cy="369332"/>
-          </a:xfrm>
-          <a:prstGeom prst="rect">
-            <a:avLst/>
-          </a:prstGeom>
-          <a:noFill/>
-        </p:spPr>
-        <p:txBody>
-          <a:bodyPr wrap="square" rtlCol="0">
-            <a:spAutoFit/>
+        <p:txBody>
+          <a:bodyPr vert="horz" lIns="0" tIns="45720" rIns="0" bIns="45720" rtlCol="0">
+            <a:noAutofit/>
           </a:bodyPr>
-          <a:lstStyle/>
-          <a:p>
-            <a:pPr algn="ctr"/>
+          <a:lstStyle>
+            <a:lvl1pPr marL="91440" indent="-91440" algn="l" defTabSz="914400" rtl="0" eaLnBrk="1" latinLnBrk="0" hangingPunct="1">
+              <a:lnSpc>
+                <a:spcPct val="90000"/>
+              </a:lnSpc>
+              <a:spcBef>
+                <a:spcPts val="1200"/>
+              </a:spcBef>
+              <a:spcAft>
+                <a:spcPts val="200"/>
+              </a:spcAft>
+              <a:buClr>
+                <a:schemeClr val="accent1"/>
+              </a:buClr>
+              <a:buSzPct val="100000"/>
+              <a:buFont typeface="Calibri" panose="020F0502020204030204" pitchFamily="34" charset="0"/>
+              <a:buChar char=" "/>
+              <a:defRPr sz="2000" kern="1200">
+                <a:solidFill>
+                  <a:schemeClr val="tx1">
+                    <a:lumMod val="75000"/>
+                    <a:lumOff val="25000"/>
+                  </a:schemeClr>
+                </a:solidFill>
+                <a:latin typeface="+mn-lt"/>
+                <a:ea typeface="+mn-ea"/>
+                <a:cs typeface="+mn-cs"/>
+              </a:defRPr>
+            </a:lvl1pPr>
+            <a:lvl2pPr marL="384048" indent="-182880" algn="l" defTabSz="914400" rtl="0" eaLnBrk="1" latinLnBrk="0" hangingPunct="1">
+              <a:lnSpc>
+                <a:spcPct val="90000"/>
+              </a:lnSpc>
+              <a:spcBef>
+                <a:spcPts val="200"/>
+              </a:spcBef>
+              <a:spcAft>
+                <a:spcPts val="400"/>
+              </a:spcAft>
+              <a:buClr>
+                <a:schemeClr val="accent1"/>
+              </a:buClr>
+              <a:buFont typeface="Calibri" pitchFamily="34" charset="0"/>
+              <a:buChar char="◦"/>
+              <a:defRPr sz="1800" kern="1200">
+                <a:solidFill>
+                  <a:schemeClr val="tx1">
+                    <a:lumMod val="75000"/>
+                    <a:lumOff val="25000"/>
+                  </a:schemeClr>
+                </a:solidFill>
+                <a:latin typeface="+mn-lt"/>
+                <a:ea typeface="+mn-ea"/>
+                <a:cs typeface="+mn-cs"/>
+              </a:defRPr>
+            </a:lvl2pPr>
+            <a:lvl3pPr marL="566928" indent="-182880" algn="l" defTabSz="914400" rtl="0" eaLnBrk="1" latinLnBrk="0" hangingPunct="1">
+              <a:lnSpc>
+                <a:spcPct val="90000"/>
+              </a:lnSpc>
+              <a:spcBef>
+                <a:spcPts val="200"/>
+              </a:spcBef>
+              <a:spcAft>
+                <a:spcPts val="400"/>
+              </a:spcAft>
+              <a:buClr>
+                <a:schemeClr val="accent1"/>
+              </a:buClr>
+              <a:buFont typeface="Calibri" pitchFamily="34" charset="0"/>
+              <a:buChar char="◦"/>
+              <a:defRPr sz="1400" kern="1200">
+                <a:solidFill>
+                  <a:schemeClr val="tx1">
+                    <a:lumMod val="75000"/>
+                    <a:lumOff val="25000"/>
+                  </a:schemeClr>
+                </a:solidFill>
+                <a:latin typeface="+mn-lt"/>
+                <a:ea typeface="+mn-ea"/>
+                <a:cs typeface="+mn-cs"/>
+              </a:defRPr>
+            </a:lvl3pPr>
+            <a:lvl4pPr marL="749808" indent="-182880" algn="l" defTabSz="914400" rtl="0" eaLnBrk="1" latinLnBrk="0" hangingPunct="1">
+              <a:lnSpc>
+                <a:spcPct val="90000"/>
+              </a:lnSpc>
+              <a:spcBef>
+                <a:spcPts val="200"/>
+              </a:spcBef>
+              <a:spcAft>
+                <a:spcPts val="400"/>
+              </a:spcAft>
+              <a:buClr>
+                <a:schemeClr val="accent1"/>
+              </a:buClr>
+              <a:buFont typeface="Calibri" pitchFamily="34" charset="0"/>
+              <a:buChar char="◦"/>
+              <a:defRPr sz="1400" kern="1200">
+                <a:solidFill>
+                  <a:schemeClr val="tx1">
+                    <a:lumMod val="75000"/>
+                    <a:lumOff val="25000"/>
+                  </a:schemeClr>
+                </a:solidFill>
+                <a:latin typeface="+mn-lt"/>
+                <a:ea typeface="+mn-ea"/>
+                <a:cs typeface="+mn-cs"/>
+              </a:defRPr>
+            </a:lvl4pPr>
+            <a:lvl5pPr marL="932688" indent="-182880" algn="l" defTabSz="914400" rtl="0" eaLnBrk="1" latinLnBrk="0" hangingPunct="1">
+              <a:lnSpc>
+                <a:spcPct val="90000"/>
+              </a:lnSpc>
+              <a:spcBef>
+                <a:spcPts val="200"/>
+              </a:spcBef>
+              <a:spcAft>
+                <a:spcPts val="400"/>
+              </a:spcAft>
+              <a:buClr>
+                <a:schemeClr val="accent1"/>
+              </a:buClr>
+              <a:buFont typeface="Calibri" pitchFamily="34" charset="0"/>
+              <a:buChar char="◦"/>
+              <a:defRPr sz="1400" kern="1200">
+                <a:solidFill>
+                  <a:schemeClr val="tx1">
+                    <a:lumMod val="75000"/>
+                    <a:lumOff val="25000"/>
+                  </a:schemeClr>
+                </a:solidFill>
+                <a:latin typeface="+mn-lt"/>
+                <a:ea typeface="+mn-ea"/>
+                <a:cs typeface="+mn-cs"/>
+              </a:defRPr>
+            </a:lvl5pPr>
+            <a:lvl6pPr marL="1100000" indent="-228600" algn="l" defTabSz="914400" rtl="0" eaLnBrk="1" latinLnBrk="0" hangingPunct="1">
+              <a:lnSpc>
+                <a:spcPct val="90000"/>
+              </a:lnSpc>
+              <a:spcBef>
+                <a:spcPts val="200"/>
+              </a:spcBef>
+              <a:spcAft>
+                <a:spcPts val="400"/>
+              </a:spcAft>
+              <a:buClr>
+                <a:schemeClr val="accent1"/>
+              </a:buClr>
+              <a:buFont typeface="Calibri" pitchFamily="34" charset="0"/>
+              <a:buChar char="◦"/>
+              <a:defRPr sz="1400" kern="1200">
+                <a:solidFill>
+                  <a:schemeClr val="tx1">
+                    <a:lumMod val="75000"/>
+                    <a:lumOff val="25000"/>
+                  </a:schemeClr>
+                </a:solidFill>
+                <a:latin typeface="+mn-lt"/>
+                <a:ea typeface="+mn-ea"/>
+                <a:cs typeface="+mn-cs"/>
+              </a:defRPr>
+            </a:lvl6pPr>
+            <a:lvl7pPr marL="1300000" indent="-228600" algn="l" defTabSz="914400" rtl="0" eaLnBrk="1" latinLnBrk="0" hangingPunct="1">
+              <a:lnSpc>
+                <a:spcPct val="90000"/>
+              </a:lnSpc>
+              <a:spcBef>
+                <a:spcPts val="200"/>
+              </a:spcBef>
+              <a:spcAft>
+                <a:spcPts val="400"/>
+              </a:spcAft>
+              <a:buClr>
+                <a:schemeClr val="accent1"/>
+              </a:buClr>
+              <a:buFont typeface="Calibri" pitchFamily="34" charset="0"/>
+              <a:buChar char="◦"/>
+              <a:defRPr sz="1400" kern="1200">
+                <a:solidFill>
+                  <a:schemeClr val="tx1">
+                    <a:lumMod val="75000"/>
+                    <a:lumOff val="25000"/>
+                  </a:schemeClr>
+                </a:solidFill>
+                <a:latin typeface="+mn-lt"/>
+                <a:ea typeface="+mn-ea"/>
+                <a:cs typeface="+mn-cs"/>
+              </a:defRPr>
+            </a:lvl7pPr>
+            <a:lvl8pPr marL="1500000" indent="-228600" algn="l" defTabSz="914400" rtl="0" eaLnBrk="1" latinLnBrk="0" hangingPunct="1">
+              <a:lnSpc>
+                <a:spcPct val="90000"/>
+              </a:lnSpc>
+              <a:spcBef>
+                <a:spcPts val="200"/>
+              </a:spcBef>
+              <a:spcAft>
+                <a:spcPts val="400"/>
+              </a:spcAft>
+              <a:buClr>
+                <a:schemeClr val="accent1"/>
+              </a:buClr>
+              <a:buFont typeface="Calibri" pitchFamily="34" charset="0"/>
+              <a:buChar char="◦"/>
+              <a:defRPr sz="1400" kern="1200">
+                <a:solidFill>
+                  <a:schemeClr val="tx1">
+                    <a:lumMod val="75000"/>
+                    <a:lumOff val="25000"/>
+                  </a:schemeClr>
+                </a:solidFill>
+                <a:latin typeface="+mn-lt"/>
+                <a:ea typeface="+mn-ea"/>
+                <a:cs typeface="+mn-cs"/>
+              </a:defRPr>
+            </a:lvl8pPr>
+            <a:lvl9pPr marL="1700000" indent="-228600" algn="l" defTabSz="914400" rtl="0" eaLnBrk="1" latinLnBrk="0" hangingPunct="1">
+              <a:lnSpc>
+                <a:spcPct val="90000"/>
+              </a:lnSpc>
+              <a:spcBef>
+                <a:spcPts val="200"/>
+              </a:spcBef>
+              <a:spcAft>
+                <a:spcPts val="400"/>
+              </a:spcAft>
+              <a:buClr>
+                <a:schemeClr val="accent1"/>
+              </a:buClr>
+              <a:buFont typeface="Calibri" pitchFamily="34" charset="0"/>
+              <a:buChar char="◦"/>
+              <a:defRPr sz="1400" kern="1200">
+                <a:solidFill>
+                  <a:schemeClr val="tx1">
+                    <a:lumMod val="75000"/>
+                    <a:lumOff val="25000"/>
+                  </a:schemeClr>
+                </a:solidFill>
+                <a:latin typeface="+mn-lt"/>
+                <a:ea typeface="+mn-ea"/>
+                <a:cs typeface="+mn-cs"/>
+              </a:defRPr>
+            </a:lvl9pPr>
+          </a:lstStyle>
+          <a:p>
+            <a:pPr marL="0" indent="0">
+              <a:lnSpc>
+                <a:spcPct val="100000"/>
+              </a:lnSpc>
+              <a:buNone/>
+            </a:pPr>
             <a:r>
               <a:rPr lang="pt-BR" dirty="0" smtClean="0">
                 <a:solidFill>
-                  <a:schemeClr val="bg1"/>
-                </a:solidFill>
-                <a:latin typeface="Times New Roman" panose="02020603050405020304" pitchFamily="18" charset="0"/>
-                <a:cs typeface="Times New Roman" panose="02020603050405020304" pitchFamily="18" charset="0"/>
-              </a:rPr>
-              <a:t>Figura 14: Página para cadastrar receita</a:t>
-            </a:r>
-            <a:endParaRPr lang="pt-BR" dirty="0">
-              <a:solidFill>
-                <a:schemeClr val="bg1"/>
-              </a:solidFill>
-              <a:latin typeface="Times New Roman" panose="02020603050405020304" pitchFamily="18" charset="0"/>
-              <a:cs typeface="Times New Roman" panose="02020603050405020304" pitchFamily="18" charset="0"/>
-            </a:endParaRPr>
+                  <a:schemeClr val="tx1"/>
+                </a:solidFill>
+                <a:latin typeface="Times New Roman" panose="02020603050405020304" pitchFamily="18" charset="0"/>
+                <a:cs typeface="Times New Roman" panose="02020603050405020304" pitchFamily="18" charset="0"/>
+              </a:rPr>
+              <a:t>FLANAGAN, David. </a:t>
+            </a:r>
+            <a:r>
+              <a:rPr lang="pt-BR" b="1" dirty="0" err="1" smtClean="0">
+                <a:solidFill>
+                  <a:schemeClr val="tx1"/>
+                </a:solidFill>
+                <a:latin typeface="Times New Roman" panose="02020603050405020304" pitchFamily="18" charset="0"/>
+                <a:cs typeface="Times New Roman" panose="02020603050405020304" pitchFamily="18" charset="0"/>
+              </a:rPr>
+              <a:t>JavaScript</a:t>
+            </a:r>
+            <a:r>
+              <a:rPr lang="pt-BR" b="1" dirty="0" smtClean="0">
+                <a:solidFill>
+                  <a:schemeClr val="tx1"/>
+                </a:solidFill>
+                <a:latin typeface="Times New Roman" panose="02020603050405020304" pitchFamily="18" charset="0"/>
+                <a:cs typeface="Times New Roman" panose="02020603050405020304" pitchFamily="18" charset="0"/>
+              </a:rPr>
+              <a:t>: O guia definitivo</a:t>
+            </a:r>
+            <a:r>
+              <a:rPr lang="pt-BR" dirty="0" smtClean="0">
+                <a:solidFill>
+                  <a:schemeClr val="tx1"/>
+                </a:solidFill>
+                <a:latin typeface="Times New Roman" panose="02020603050405020304" pitchFamily="18" charset="0"/>
+                <a:cs typeface="Times New Roman" panose="02020603050405020304" pitchFamily="18" charset="0"/>
+              </a:rPr>
+              <a:t>.</a:t>
+            </a:r>
+            <a:r>
+              <a:rPr lang="pt-BR" b="1" dirty="0" smtClean="0">
+                <a:solidFill>
+                  <a:schemeClr val="tx1"/>
+                </a:solidFill>
+                <a:latin typeface="Times New Roman" panose="02020603050405020304" pitchFamily="18" charset="0"/>
+                <a:cs typeface="Times New Roman" panose="02020603050405020304" pitchFamily="18" charset="0"/>
+              </a:rPr>
+              <a:t> </a:t>
+            </a:r>
+            <a:r>
+              <a:rPr lang="pt-BR" dirty="0" err="1" smtClean="0">
+                <a:solidFill>
+                  <a:schemeClr val="tx1"/>
+                </a:solidFill>
+                <a:latin typeface="Times New Roman" panose="02020603050405020304" pitchFamily="18" charset="0"/>
+                <a:cs typeface="Times New Roman" panose="02020603050405020304" pitchFamily="18" charset="0"/>
+              </a:rPr>
+              <a:t>Bookman</a:t>
+            </a:r>
+            <a:r>
+              <a:rPr lang="pt-BR" dirty="0" smtClean="0">
+                <a:solidFill>
+                  <a:schemeClr val="tx1"/>
+                </a:solidFill>
+                <a:latin typeface="Times New Roman" panose="02020603050405020304" pitchFamily="18" charset="0"/>
+                <a:cs typeface="Times New Roman" panose="02020603050405020304" pitchFamily="18" charset="0"/>
+              </a:rPr>
+              <a:t> Editora, 2007. </a:t>
+            </a:r>
+          </a:p>
+          <a:p>
+            <a:pPr marL="0" indent="0">
+              <a:lnSpc>
+                <a:spcPct val="100000"/>
+              </a:lnSpc>
+              <a:buNone/>
+            </a:pPr>
+            <a:r>
+              <a:rPr lang="pt-BR" dirty="0" smtClean="0">
+                <a:solidFill>
+                  <a:schemeClr val="tx1"/>
+                </a:solidFill>
+                <a:latin typeface="Times New Roman" panose="02020603050405020304" pitchFamily="18" charset="0"/>
+                <a:cs typeface="Times New Roman" panose="02020603050405020304" pitchFamily="18" charset="0"/>
+              </a:rPr>
+              <a:t>FURTADO, Teresa. </a:t>
+            </a:r>
+            <a:r>
+              <a:rPr lang="pt-BR" b="1" dirty="0" smtClean="0">
+                <a:solidFill>
+                  <a:schemeClr val="tx1"/>
+                </a:solidFill>
+                <a:latin typeface="Times New Roman" panose="02020603050405020304" pitchFamily="18" charset="0"/>
+                <a:cs typeface="Times New Roman" panose="02020603050405020304" pitchFamily="18" charset="0"/>
+              </a:rPr>
+              <a:t>O que é HTML? Saiba do que são feitos os sites da Internet</a:t>
+            </a:r>
+            <a:r>
+              <a:rPr lang="pt-BR" dirty="0" smtClean="0">
+                <a:solidFill>
+                  <a:schemeClr val="tx1"/>
+                </a:solidFill>
+                <a:latin typeface="Times New Roman" panose="02020603050405020304" pitchFamily="18" charset="0"/>
+                <a:cs typeface="Times New Roman" panose="02020603050405020304" pitchFamily="18" charset="0"/>
+              </a:rPr>
+              <a:t>. 2011 (Disponível em: (http://www.techtudo.com.br/dicas-e-tutoriais/noticia/2011/08/o-que-e-html-saibado-que-sao-feitos-os-sites-da-internet.html) acessado em 21/09/2017). </a:t>
+            </a:r>
+          </a:p>
+          <a:p>
+            <a:pPr marL="0" indent="0">
+              <a:lnSpc>
+                <a:spcPct val="100000"/>
+              </a:lnSpc>
+              <a:buNone/>
+            </a:pPr>
+            <a:r>
+              <a:rPr lang="pt-BR" dirty="0" smtClean="0">
+                <a:solidFill>
+                  <a:schemeClr val="tx1"/>
+                </a:solidFill>
+                <a:latin typeface="Times New Roman" panose="02020603050405020304" pitchFamily="18" charset="0"/>
+                <a:cs typeface="Times New Roman" panose="02020603050405020304" pitchFamily="18" charset="0"/>
+              </a:rPr>
+              <a:t>LIMA, Davi de. </a:t>
+            </a:r>
+            <a:r>
+              <a:rPr lang="pt-BR" b="1" dirty="0" smtClean="0">
+                <a:solidFill>
+                  <a:schemeClr val="tx1"/>
+                </a:solidFill>
+                <a:latin typeface="Times New Roman" panose="02020603050405020304" pitchFamily="18" charset="0"/>
+                <a:cs typeface="Times New Roman" panose="02020603050405020304" pitchFamily="18" charset="0"/>
+              </a:rPr>
+              <a:t>Modele softwares com </a:t>
+            </a:r>
+            <a:r>
+              <a:rPr lang="pt-BR" b="1" dirty="0" err="1" smtClean="0">
+                <a:solidFill>
+                  <a:schemeClr val="tx1"/>
+                </a:solidFill>
+                <a:latin typeface="Times New Roman" panose="02020603050405020304" pitchFamily="18" charset="0"/>
+                <a:cs typeface="Times New Roman" panose="02020603050405020304" pitchFamily="18" charset="0"/>
+              </a:rPr>
+              <a:t>Astah</a:t>
+            </a:r>
+            <a:r>
+              <a:rPr lang="pt-BR" b="1" dirty="0" smtClean="0">
+                <a:solidFill>
+                  <a:schemeClr val="tx1"/>
+                </a:solidFill>
+                <a:latin typeface="Times New Roman" panose="02020603050405020304" pitchFamily="18" charset="0"/>
+                <a:cs typeface="Times New Roman" panose="02020603050405020304" pitchFamily="18" charset="0"/>
+              </a:rPr>
+              <a:t> </a:t>
+            </a:r>
+            <a:r>
+              <a:rPr lang="pt-BR" b="1" dirty="0" err="1" smtClean="0">
+                <a:solidFill>
+                  <a:schemeClr val="tx1"/>
+                </a:solidFill>
+                <a:latin typeface="Times New Roman" panose="02020603050405020304" pitchFamily="18" charset="0"/>
+                <a:cs typeface="Times New Roman" panose="02020603050405020304" pitchFamily="18" charset="0"/>
+              </a:rPr>
+              <a:t>Community</a:t>
+            </a:r>
+            <a:r>
+              <a:rPr lang="pt-BR" dirty="0" smtClean="0">
+                <a:solidFill>
+                  <a:schemeClr val="tx1"/>
+                </a:solidFill>
+                <a:latin typeface="Times New Roman" panose="02020603050405020304" pitchFamily="18" charset="0"/>
+                <a:cs typeface="Times New Roman" panose="02020603050405020304" pitchFamily="18" charset="0"/>
+              </a:rPr>
+              <a:t>. 2016 (Disponível em: (http://www.techtudo.com.br/tudo-sobre/astah-commmunity.html) acessado em 12/09/2017).</a:t>
+            </a:r>
+          </a:p>
+          <a:p>
+            <a:pPr marL="0" indent="0">
+              <a:lnSpc>
+                <a:spcPct val="100000"/>
+              </a:lnSpc>
+              <a:buNone/>
+            </a:pPr>
+            <a:r>
+              <a:rPr lang="pt-BR" dirty="0" smtClean="0">
+                <a:solidFill>
+                  <a:schemeClr val="tx1"/>
+                </a:solidFill>
+                <a:latin typeface="Times New Roman" panose="02020603050405020304" pitchFamily="18" charset="0"/>
+                <a:cs typeface="Times New Roman" panose="02020603050405020304" pitchFamily="18" charset="0"/>
+              </a:rPr>
+              <a:t> NIEDERAUER, Juliano. </a:t>
+            </a:r>
+            <a:r>
+              <a:rPr lang="pt-BR" b="1" dirty="0" smtClean="0">
+                <a:solidFill>
+                  <a:schemeClr val="tx1"/>
+                </a:solidFill>
+                <a:latin typeface="Times New Roman" panose="02020603050405020304" pitchFamily="18" charset="0"/>
+                <a:cs typeface="Times New Roman" panose="02020603050405020304" pitchFamily="18" charset="0"/>
+              </a:rPr>
+              <a:t>Desenvolvendo websites com PHP</a:t>
+            </a:r>
+            <a:r>
+              <a:rPr lang="pt-BR" dirty="0" smtClean="0">
+                <a:solidFill>
+                  <a:schemeClr val="tx1"/>
+                </a:solidFill>
+                <a:latin typeface="Times New Roman" panose="02020603050405020304" pitchFamily="18" charset="0"/>
+                <a:cs typeface="Times New Roman" panose="02020603050405020304" pitchFamily="18" charset="0"/>
+              </a:rPr>
+              <a:t>. São Paulo: </a:t>
+            </a:r>
+            <a:r>
+              <a:rPr lang="pt-BR" dirty="0" err="1" smtClean="0">
+                <a:solidFill>
+                  <a:schemeClr val="tx1"/>
+                </a:solidFill>
+                <a:latin typeface="Times New Roman" panose="02020603050405020304" pitchFamily="18" charset="0"/>
+                <a:cs typeface="Times New Roman" panose="02020603050405020304" pitchFamily="18" charset="0"/>
+              </a:rPr>
+              <a:t>Novatec</a:t>
+            </a:r>
+            <a:r>
+              <a:rPr lang="pt-BR" dirty="0" smtClean="0">
+                <a:solidFill>
+                  <a:schemeClr val="tx1"/>
+                </a:solidFill>
+                <a:latin typeface="Times New Roman" panose="02020603050405020304" pitchFamily="18" charset="0"/>
+                <a:cs typeface="Times New Roman" panose="02020603050405020304" pitchFamily="18" charset="0"/>
+              </a:rPr>
+              <a:t>, 2004.</a:t>
+            </a:r>
+          </a:p>
+          <a:p>
+            <a:pPr marL="0" indent="0">
+              <a:lnSpc>
+                <a:spcPct val="100000"/>
+              </a:lnSpc>
+              <a:buNone/>
+            </a:pPr>
+            <a:r>
+              <a:rPr lang="pt-BR" dirty="0" smtClean="0">
+                <a:solidFill>
+                  <a:schemeClr val="tx1"/>
+                </a:solidFill>
+                <a:latin typeface="Times New Roman" panose="02020603050405020304" pitchFamily="18" charset="0"/>
+                <a:cs typeface="Times New Roman" panose="02020603050405020304" pitchFamily="18" charset="0"/>
+              </a:rPr>
+              <a:t> MILANI, André. </a:t>
+            </a:r>
+            <a:r>
+              <a:rPr lang="pt-BR" b="1" dirty="0" smtClean="0">
+                <a:solidFill>
+                  <a:schemeClr val="tx1"/>
+                </a:solidFill>
+                <a:latin typeface="Times New Roman" panose="02020603050405020304" pitchFamily="18" charset="0"/>
+                <a:cs typeface="Times New Roman" panose="02020603050405020304" pitchFamily="18" charset="0"/>
+              </a:rPr>
+              <a:t>MySQL-guia do programador</a:t>
+            </a:r>
+            <a:r>
+              <a:rPr lang="pt-BR" dirty="0" smtClean="0">
+                <a:solidFill>
+                  <a:schemeClr val="tx1"/>
+                </a:solidFill>
+                <a:latin typeface="Times New Roman" panose="02020603050405020304" pitchFamily="18" charset="0"/>
+                <a:cs typeface="Times New Roman" panose="02020603050405020304" pitchFamily="18" charset="0"/>
+              </a:rPr>
+              <a:t>. </a:t>
+            </a:r>
+            <a:r>
+              <a:rPr lang="pt-BR" dirty="0" err="1" smtClean="0">
+                <a:solidFill>
+                  <a:schemeClr val="tx1"/>
+                </a:solidFill>
+                <a:latin typeface="Times New Roman" panose="02020603050405020304" pitchFamily="18" charset="0"/>
+                <a:cs typeface="Times New Roman" panose="02020603050405020304" pitchFamily="18" charset="0"/>
+              </a:rPr>
+              <a:t>Novatec</a:t>
+            </a:r>
+            <a:r>
+              <a:rPr lang="pt-BR" dirty="0" smtClean="0">
+                <a:solidFill>
+                  <a:schemeClr val="tx1"/>
+                </a:solidFill>
+                <a:latin typeface="Times New Roman" panose="02020603050405020304" pitchFamily="18" charset="0"/>
+                <a:cs typeface="Times New Roman" panose="02020603050405020304" pitchFamily="18" charset="0"/>
+              </a:rPr>
+              <a:t> Editora, 2007.</a:t>
+            </a:r>
+          </a:p>
+          <a:p>
+            <a:pPr marL="0" indent="0">
+              <a:lnSpc>
+                <a:spcPct val="100000"/>
+              </a:lnSpc>
+              <a:buNone/>
+            </a:pPr>
+            <a:r>
+              <a:rPr lang="pt-BR" dirty="0" smtClean="0">
+                <a:solidFill>
+                  <a:schemeClr val="tx1"/>
+                </a:solidFill>
+                <a:latin typeface="Times New Roman" panose="02020603050405020304" pitchFamily="18" charset="0"/>
+                <a:cs typeface="Times New Roman" panose="02020603050405020304" pitchFamily="18" charset="0"/>
+              </a:rPr>
+              <a:t> WERLICH, Cláudia. </a:t>
+            </a:r>
+            <a:r>
+              <a:rPr lang="pt-BR" b="1" dirty="0" smtClean="0">
+                <a:solidFill>
+                  <a:schemeClr val="tx1"/>
+                </a:solidFill>
+                <a:latin typeface="Times New Roman" panose="02020603050405020304" pitchFamily="18" charset="0"/>
+                <a:cs typeface="Times New Roman" panose="02020603050405020304" pitchFamily="18" charset="0"/>
+              </a:rPr>
+              <a:t>Sistemas de banco de dados - Apostila. Edição 1</a:t>
+            </a:r>
+            <a:r>
+              <a:rPr lang="pt-BR" dirty="0" smtClean="0">
+                <a:solidFill>
+                  <a:schemeClr val="tx1"/>
+                </a:solidFill>
+                <a:latin typeface="Times New Roman" panose="02020603050405020304" pitchFamily="18" charset="0"/>
+                <a:cs typeface="Times New Roman" panose="02020603050405020304" pitchFamily="18" charset="0"/>
+              </a:rPr>
+              <a:t>. Joinville: ETT, 2014. </a:t>
+            </a:r>
           </a:p>
         </p:txBody>
       </p:sp>
     </p:spTree>
     <p:extLst>
       <p:ext uri="{BB962C8B-B14F-4D97-AF65-F5344CB8AC3E}">
-        <p14:creationId xmlns:p14="http://schemas.microsoft.com/office/powerpoint/2010/main" val="3582870892"/>
+        <p14:creationId xmlns:p14="http://schemas.microsoft.com/office/powerpoint/2010/main" val="135043418"/>
       </p:ext>
     </p:extLst>
   </p:cSld>
@@ -4414,28 +5196,25 @@
             <a:spLocks noGrp="1"/>
           </p:cNvSpPr>
           <p:nvPr>
-            <p:ph type="title"/>
-          </p:nvPr>
-        </p:nvSpPr>
-        <p:spPr>
-          <a:xfrm>
-            <a:off x="1186543" y="286603"/>
-            <a:ext cx="9971313" cy="1450757"/>
-          </a:xfrm>
-        </p:spPr>
-        <p:txBody>
-          <a:bodyPr/>
+            <p:ph type="ctrTitle"/>
+          </p:nvPr>
+        </p:nvSpPr>
+        <p:spPr/>
+        <p:txBody>
+          <a:bodyPr>
+            <a:normAutofit fontScale="90000"/>
+          </a:bodyPr>
           <a:lstStyle/>
           <a:p>
             <a:pPr algn="ctr"/>
             <a:r>
-              <a:rPr lang="pt-BR" dirty="0" smtClean="0">
-                <a:latin typeface="Times New Roman" panose="02020603050405020304" pitchFamily="18" charset="0"/>
-                <a:cs typeface="Times New Roman" panose="02020603050405020304" pitchFamily="18" charset="0"/>
-              </a:rPr>
-              <a:t>Página para editar receitas cadastradas pelo usuário</a:t>
-            </a:r>
-            <a:endParaRPr lang="pt-BR" dirty="0">
+              <a:rPr lang="pt-BR" sz="7200" dirty="0" smtClean="0">
+                <a:latin typeface="Times New Roman" panose="02020603050405020304" pitchFamily="18" charset="0"/>
+                <a:cs typeface="Times New Roman" panose="02020603050405020304" pitchFamily="18" charset="0"/>
+              </a:rPr>
+              <a:t>DESENVOLVIMENTO DE UM SITE DE RECEITAS CULINÁRIAS</a:t>
+            </a:r>
+            <a:endParaRPr lang="pt-BR" sz="7200" dirty="0">
               <a:latin typeface="Times New Roman" panose="02020603050405020304" pitchFamily="18" charset="0"/>
               <a:cs typeface="Times New Roman" panose="02020603050405020304" pitchFamily="18" charset="0"/>
             </a:endParaRPr>
@@ -4444,13 +5223,11 @@
       </p:sp>
       <p:pic>
         <p:nvPicPr>
-          <p:cNvPr id="5" name="Espaço Reservado para Conteúdo 4"/>
+          <p:cNvPr id="4" name="Imagem 3"/>
           <p:cNvPicPr>
-            <a:picLocks noGrp="1" noChangeAspect="1"/>
+            <a:picLocks noChangeAspect="1"/>
           </p:cNvPicPr>
-          <p:nvPr>
-            <p:ph idx="1"/>
-          </p:nvPr>
+          <p:nvPr/>
         </p:nvPicPr>
         <p:blipFill>
           <a:blip r:embed="rId2">
@@ -4466,35 +5243,8 @@
         </p:blipFill>
         <p:spPr>
           <a:xfrm>
-            <a:off x="76202" y="76202"/>
+            <a:off x="65316" y="76202"/>
             <a:ext cx="1295400" cy="1171575"/>
-          </a:xfrm>
-        </p:spPr>
-      </p:pic>
-      <p:pic>
-        <p:nvPicPr>
-          <p:cNvPr id="3" name="Imagem 2"/>
-          <p:cNvPicPr>
-            <a:picLocks noChangeAspect="1"/>
-          </p:cNvPicPr>
-          <p:nvPr/>
-        </p:nvPicPr>
-        <p:blipFill>
-          <a:blip r:embed="rId3">
-            <a:extLst>
-              <a:ext uri="{28A0092B-C50C-407E-A947-70E740481C1C}">
-                <a14:useLocalDpi xmlns:a14="http://schemas.microsoft.com/office/drawing/2010/main" val="0"/>
-              </a:ext>
-            </a:extLst>
-          </a:blip>
-          <a:stretch>
-            <a:fillRect/>
-          </a:stretch>
-        </p:blipFill>
-        <p:spPr>
-          <a:xfrm>
-            <a:off x="2458192" y="1947761"/>
-            <a:ext cx="7420175" cy="4224384"/>
           </a:xfrm>
           <a:prstGeom prst="rect">
             <a:avLst/>
@@ -4503,14 +5253,14 @@
       </p:pic>
       <p:sp>
         <p:nvSpPr>
-          <p:cNvPr id="6" name="CaixaDeTexto 5"/>
+          <p:cNvPr id="5" name="CaixaDeTexto 4"/>
           <p:cNvSpPr txBox="1"/>
           <p:nvPr/>
         </p:nvSpPr>
         <p:spPr>
           <a:xfrm>
-            <a:off x="0" y="6414643"/>
-            <a:ext cx="12192000" cy="369332"/>
+            <a:off x="1097279" y="4702629"/>
+            <a:ext cx="3629099" cy="1200329"/>
           </a:xfrm>
           <a:prstGeom prst="rect">
             <a:avLst/>
@@ -4523,31 +5273,122 @@
           </a:bodyPr>
           <a:lstStyle/>
           <a:p>
-            <a:pPr algn="ctr"/>
             <a:r>
               <a:rPr lang="pt-BR" dirty="0" smtClean="0">
-                <a:solidFill>
-                  <a:schemeClr val="bg1"/>
-                </a:solidFill>
-                <a:latin typeface="Times New Roman" panose="02020603050405020304" pitchFamily="18" charset="0"/>
-                <a:cs typeface="Times New Roman" panose="02020603050405020304" pitchFamily="18" charset="0"/>
-              </a:rPr>
-              <a:t>Figura 15: Página para visualizar receitas cadastradas pelo usuário.</a:t>
-            </a:r>
-            <a:endParaRPr lang="pt-BR" dirty="0">
-              <a:solidFill>
-                <a:schemeClr val="bg1"/>
-              </a:solidFill>
+                <a:latin typeface="Times New Roman" panose="02020603050405020304" pitchFamily="18" charset="0"/>
+                <a:cs typeface="Times New Roman" panose="02020603050405020304" pitchFamily="18" charset="0"/>
+              </a:rPr>
+              <a:t>Alunos: Daniel Moser</a:t>
+            </a:r>
+          </a:p>
+          <a:p>
+            <a:r>
+              <a:rPr lang="pt-BR" dirty="0" smtClean="0">
+                <a:latin typeface="Times New Roman" panose="02020603050405020304" pitchFamily="18" charset="0"/>
+                <a:cs typeface="Times New Roman" panose="02020603050405020304" pitchFamily="18" charset="0"/>
+              </a:rPr>
+              <a:t>               Kevin Mello</a:t>
+            </a:r>
+          </a:p>
+          <a:p>
+            <a:r>
+              <a:rPr lang="pt-BR" dirty="0">
+                <a:latin typeface="Times New Roman" panose="02020603050405020304" pitchFamily="18" charset="0"/>
+                <a:cs typeface="Times New Roman" panose="02020603050405020304" pitchFamily="18" charset="0"/>
+              </a:rPr>
+              <a:t> </a:t>
+            </a:r>
+            <a:r>
+              <a:rPr lang="pt-BR" dirty="0" smtClean="0">
+                <a:latin typeface="Times New Roman" panose="02020603050405020304" pitchFamily="18" charset="0"/>
+                <a:cs typeface="Times New Roman" panose="02020603050405020304" pitchFamily="18" charset="0"/>
+              </a:rPr>
+              <a:t>              Leonardo Soares </a:t>
+            </a:r>
+            <a:r>
+              <a:rPr lang="pt-BR" dirty="0" err="1" smtClean="0">
+                <a:latin typeface="Times New Roman" panose="02020603050405020304" pitchFamily="18" charset="0"/>
+                <a:cs typeface="Times New Roman" panose="02020603050405020304" pitchFamily="18" charset="0"/>
+              </a:rPr>
+              <a:t>Schiesl</a:t>
+            </a:r>
+            <a:endParaRPr lang="pt-BR" dirty="0" smtClean="0">
               <a:latin typeface="Times New Roman" panose="02020603050405020304" pitchFamily="18" charset="0"/>
               <a:cs typeface="Times New Roman" panose="02020603050405020304" pitchFamily="18" charset="0"/>
             </a:endParaRPr>
           </a:p>
+          <a:p>
+            <a:r>
+              <a:rPr lang="pt-BR" dirty="0" smtClean="0">
+                <a:latin typeface="Times New Roman" panose="02020603050405020304" pitchFamily="18" charset="0"/>
+                <a:cs typeface="Times New Roman" panose="02020603050405020304" pitchFamily="18" charset="0"/>
+              </a:rPr>
+              <a:t>               </a:t>
+            </a:r>
+            <a:r>
+              <a:rPr lang="pt-BR" dirty="0" err="1" smtClean="0">
+                <a:latin typeface="Times New Roman" panose="02020603050405020304" pitchFamily="18" charset="0"/>
+                <a:cs typeface="Times New Roman" panose="02020603050405020304" pitchFamily="18" charset="0"/>
+              </a:rPr>
+              <a:t>Vinicios</a:t>
+            </a:r>
+            <a:r>
+              <a:rPr lang="pt-BR" dirty="0" smtClean="0">
+                <a:latin typeface="Times New Roman" panose="02020603050405020304" pitchFamily="18" charset="0"/>
+                <a:cs typeface="Times New Roman" panose="02020603050405020304" pitchFamily="18" charset="0"/>
+              </a:rPr>
+              <a:t> de Azevedo </a:t>
+            </a:r>
+            <a:r>
+              <a:rPr lang="pt-BR" dirty="0" err="1" smtClean="0">
+                <a:latin typeface="Times New Roman" panose="02020603050405020304" pitchFamily="18" charset="0"/>
+                <a:cs typeface="Times New Roman" panose="02020603050405020304" pitchFamily="18" charset="0"/>
+              </a:rPr>
+              <a:t>Kraus</a:t>
+            </a:r>
+            <a:endParaRPr lang="pt-BR" dirty="0" smtClean="0">
+              <a:latin typeface="Times New Roman" panose="02020603050405020304" pitchFamily="18" charset="0"/>
+              <a:cs typeface="Times New Roman" panose="02020603050405020304" pitchFamily="18" charset="0"/>
+            </a:endParaRPr>
+          </a:p>
+        </p:txBody>
+      </p:sp>
+      <p:sp>
+        <p:nvSpPr>
+          <p:cNvPr id="6" name="CaixaDeTexto 5"/>
+          <p:cNvSpPr txBox="1"/>
+          <p:nvPr/>
+        </p:nvSpPr>
+        <p:spPr>
+          <a:xfrm>
+            <a:off x="7689669" y="4680858"/>
+            <a:ext cx="3466011" cy="369332"/>
+          </a:xfrm>
+          <a:prstGeom prst="rect">
+            <a:avLst/>
+          </a:prstGeom>
+          <a:noFill/>
+        </p:spPr>
+        <p:txBody>
+          <a:bodyPr wrap="square" rtlCol="0">
+            <a:spAutoFit/>
+          </a:bodyPr>
+          <a:lstStyle/>
+          <a:p>
+            <a:r>
+              <a:rPr lang="pt-BR" dirty="0" smtClean="0">
+                <a:latin typeface="Times New Roman" panose="02020603050405020304" pitchFamily="18" charset="0"/>
+                <a:cs typeface="Times New Roman" panose="02020603050405020304" pitchFamily="18" charset="0"/>
+              </a:rPr>
+              <a:t>Professor orientador: Marcelo Petri</a:t>
+            </a:r>
+          </a:p>
         </p:txBody>
       </p:sp>
     </p:spTree>
     <p:extLst>
       <p:ext uri="{BB962C8B-B14F-4D97-AF65-F5344CB8AC3E}">
-        <p14:creationId xmlns:p14="http://schemas.microsoft.com/office/powerpoint/2010/main" val="2780448999"/>
+        <p14:creationId xmlns:p14="http://schemas.microsoft.com/office/powerpoint/2010/main" val="1586211857"/>
       </p:ext>
     </p:extLst>
   </p:cSld>
@@ -4603,10 +5444,16 @@
           <a:p>
             <a:pPr algn="ctr"/>
             <a:r>
-              <a:rPr lang="pt-BR" dirty="0" smtClean="0"/>
-              <a:t>Página do ranking das receitas</a:t>
-            </a:r>
-            <a:endParaRPr lang="pt-BR" dirty="0"/>
+              <a:rPr lang="pt-BR" dirty="0" smtClean="0">
+                <a:latin typeface="Times New Roman" panose="02020603050405020304" pitchFamily="18" charset="0"/>
+                <a:cs typeface="Times New Roman" panose="02020603050405020304" pitchFamily="18" charset="0"/>
+              </a:rPr>
+              <a:t>PÁGINA INICIAL</a:t>
+            </a:r>
+            <a:endParaRPr lang="pt-BR" dirty="0">
+              <a:latin typeface="Times New Roman" panose="02020603050405020304" pitchFamily="18" charset="0"/>
+              <a:cs typeface="Times New Roman" panose="02020603050405020304" pitchFamily="18" charset="0"/>
+            </a:endParaRPr>
           </a:p>
         </p:txBody>
       </p:sp>
@@ -4661,8 +5508,8 @@
         </p:blipFill>
         <p:spPr>
           <a:xfrm>
-            <a:off x="2185059" y="1947761"/>
-            <a:ext cx="7980219" cy="4162045"/>
+            <a:off x="2103415" y="1947761"/>
+            <a:ext cx="8137568" cy="4256481"/>
           </a:xfrm>
           <a:prstGeom prst="rect">
             <a:avLst/>
@@ -4700,7 +5547,7 @@
                 <a:latin typeface="Times New Roman" panose="02020603050405020304" pitchFamily="18" charset="0"/>
                 <a:cs typeface="Times New Roman" panose="02020603050405020304" pitchFamily="18" charset="0"/>
               </a:rPr>
-              <a:t>Figura 16: Página para visualizar o todas as receitas</a:t>
+              <a:t>Figura 1: Página inicial do site</a:t>
             </a:r>
             <a:endParaRPr lang="pt-BR" dirty="0">
               <a:solidFill>
@@ -4715,7 +5562,7 @@
     </p:spTree>
     <p:extLst>
       <p:ext uri="{BB962C8B-B14F-4D97-AF65-F5344CB8AC3E}">
-        <p14:creationId xmlns:p14="http://schemas.microsoft.com/office/powerpoint/2010/main" val="2497004199"/>
+        <p14:creationId xmlns:p14="http://schemas.microsoft.com/office/powerpoint/2010/main" val="1169132936"/>
       </p:ext>
     </p:extLst>
   </p:cSld>
@@ -4771,10 +5618,16 @@
           <a:p>
             <a:pPr algn="ctr"/>
             <a:r>
-              <a:rPr lang="pt-BR" dirty="0" smtClean="0"/>
-              <a:t>Conclusão</a:t>
-            </a:r>
-            <a:endParaRPr lang="pt-BR" dirty="0"/>
+              <a:rPr lang="pt-BR" dirty="0" smtClean="0">
+                <a:latin typeface="Times New Roman" panose="02020603050405020304" pitchFamily="18" charset="0"/>
+                <a:cs typeface="Times New Roman" panose="02020603050405020304" pitchFamily="18" charset="0"/>
+              </a:rPr>
+              <a:t>PÁGINA DE CADASTRO</a:t>
+            </a:r>
+            <a:endParaRPr lang="pt-BR" dirty="0">
+              <a:latin typeface="Times New Roman" panose="02020603050405020304" pitchFamily="18" charset="0"/>
+              <a:cs typeface="Times New Roman" panose="02020603050405020304" pitchFamily="18" charset="0"/>
+            </a:endParaRPr>
           </a:p>
         </p:txBody>
       </p:sp>
@@ -4807,311 +5660,83 @@
           </a:xfrm>
         </p:spPr>
       </p:pic>
-      <p:sp>
-        <p:nvSpPr>
-          <p:cNvPr id="7" name="Espaço Reservado para Conteúdo 2"/>
-          <p:cNvSpPr txBox="1">
-            <a:spLocks/>
-          </p:cNvSpPr>
+      <p:pic>
+        <p:nvPicPr>
+          <p:cNvPr id="3" name="Imagem 2"/>
+          <p:cNvPicPr>
+            <a:picLocks noChangeAspect="1"/>
+          </p:cNvPicPr>
           <p:nvPr/>
-        </p:nvSpPr>
-        <p:spPr>
-          <a:xfrm>
-            <a:off x="1097280" y="1845734"/>
-            <a:ext cx="10058400" cy="4023360"/>
+        </p:nvPicPr>
+        <p:blipFill>
+          <a:blip r:embed="rId3">
+            <a:extLst>
+              <a:ext uri="{28A0092B-C50C-407E-A947-70E740481C1C}">
+                <a14:useLocalDpi xmlns:a14="http://schemas.microsoft.com/office/drawing/2010/main" val="0"/>
+              </a:ext>
+            </a:extLst>
+          </a:blip>
+          <a:stretch>
+            <a:fillRect/>
+          </a:stretch>
+        </p:blipFill>
+        <p:spPr>
+          <a:xfrm>
+            <a:off x="2069273" y="1947761"/>
+            <a:ext cx="8202882" cy="4274999"/>
           </a:xfrm>
           <a:prstGeom prst="rect">
             <a:avLst/>
           </a:prstGeom>
         </p:spPr>
-        <p:txBody>
-          <a:bodyPr vert="horz" lIns="0" tIns="45720" rIns="0" bIns="45720" rtlCol="0">
-            <a:normAutofit/>
+      </p:pic>
+      <p:sp>
+        <p:nvSpPr>
+          <p:cNvPr id="6" name="CaixaDeTexto 5"/>
+          <p:cNvSpPr txBox="1"/>
+          <p:nvPr/>
+        </p:nvSpPr>
+        <p:spPr>
+          <a:xfrm>
+            <a:off x="0" y="6414643"/>
+            <a:ext cx="12192000" cy="369332"/>
+          </a:xfrm>
+          <a:prstGeom prst="rect">
+            <a:avLst/>
+          </a:prstGeom>
+          <a:noFill/>
+        </p:spPr>
+        <p:txBody>
+          <a:bodyPr wrap="square" rtlCol="0">
+            <a:spAutoFit/>
           </a:bodyPr>
-          <a:lstStyle>
-            <a:lvl1pPr marL="91440" indent="-91440" algn="l" defTabSz="914400" rtl="0" eaLnBrk="1" latinLnBrk="0" hangingPunct="1">
-              <a:lnSpc>
-                <a:spcPct val="90000"/>
-              </a:lnSpc>
-              <a:spcBef>
-                <a:spcPts val="1200"/>
-              </a:spcBef>
-              <a:spcAft>
-                <a:spcPts val="200"/>
-              </a:spcAft>
-              <a:buClr>
-                <a:schemeClr val="accent1"/>
-              </a:buClr>
-              <a:buSzPct val="100000"/>
-              <a:buFont typeface="Calibri" panose="020F0502020204030204" pitchFamily="34" charset="0"/>
-              <a:buChar char=" "/>
-              <a:defRPr sz="2000" kern="1200">
-                <a:solidFill>
-                  <a:schemeClr val="tx1">
-                    <a:lumMod val="75000"/>
-                    <a:lumOff val="25000"/>
-                  </a:schemeClr>
-                </a:solidFill>
-                <a:latin typeface="+mn-lt"/>
-                <a:ea typeface="+mn-ea"/>
-                <a:cs typeface="+mn-cs"/>
-              </a:defRPr>
-            </a:lvl1pPr>
-            <a:lvl2pPr marL="384048" indent="-182880" algn="l" defTabSz="914400" rtl="0" eaLnBrk="1" latinLnBrk="0" hangingPunct="1">
-              <a:lnSpc>
-                <a:spcPct val="90000"/>
-              </a:lnSpc>
-              <a:spcBef>
-                <a:spcPts val="200"/>
-              </a:spcBef>
-              <a:spcAft>
-                <a:spcPts val="400"/>
-              </a:spcAft>
-              <a:buClr>
-                <a:schemeClr val="accent1"/>
-              </a:buClr>
-              <a:buFont typeface="Calibri" pitchFamily="34" charset="0"/>
-              <a:buChar char="◦"/>
-              <a:defRPr sz="1800" kern="1200">
-                <a:solidFill>
-                  <a:schemeClr val="tx1">
-                    <a:lumMod val="75000"/>
-                    <a:lumOff val="25000"/>
-                  </a:schemeClr>
-                </a:solidFill>
-                <a:latin typeface="+mn-lt"/>
-                <a:ea typeface="+mn-ea"/>
-                <a:cs typeface="+mn-cs"/>
-              </a:defRPr>
-            </a:lvl2pPr>
-            <a:lvl3pPr marL="566928" indent="-182880" algn="l" defTabSz="914400" rtl="0" eaLnBrk="1" latinLnBrk="0" hangingPunct="1">
-              <a:lnSpc>
-                <a:spcPct val="90000"/>
-              </a:lnSpc>
-              <a:spcBef>
-                <a:spcPts val="200"/>
-              </a:spcBef>
-              <a:spcAft>
-                <a:spcPts val="400"/>
-              </a:spcAft>
-              <a:buClr>
-                <a:schemeClr val="accent1"/>
-              </a:buClr>
-              <a:buFont typeface="Calibri" pitchFamily="34" charset="0"/>
-              <a:buChar char="◦"/>
-              <a:defRPr sz="1400" kern="1200">
-                <a:solidFill>
-                  <a:schemeClr val="tx1">
-                    <a:lumMod val="75000"/>
-                    <a:lumOff val="25000"/>
-                  </a:schemeClr>
-                </a:solidFill>
-                <a:latin typeface="+mn-lt"/>
-                <a:ea typeface="+mn-ea"/>
-                <a:cs typeface="+mn-cs"/>
-              </a:defRPr>
-            </a:lvl3pPr>
-            <a:lvl4pPr marL="749808" indent="-182880" algn="l" defTabSz="914400" rtl="0" eaLnBrk="1" latinLnBrk="0" hangingPunct="1">
-              <a:lnSpc>
-                <a:spcPct val="90000"/>
-              </a:lnSpc>
-              <a:spcBef>
-                <a:spcPts val="200"/>
-              </a:spcBef>
-              <a:spcAft>
-                <a:spcPts val="400"/>
-              </a:spcAft>
-              <a:buClr>
-                <a:schemeClr val="accent1"/>
-              </a:buClr>
-              <a:buFont typeface="Calibri" pitchFamily="34" charset="0"/>
-              <a:buChar char="◦"/>
-              <a:defRPr sz="1400" kern="1200">
-                <a:solidFill>
-                  <a:schemeClr val="tx1">
-                    <a:lumMod val="75000"/>
-                    <a:lumOff val="25000"/>
-                  </a:schemeClr>
-                </a:solidFill>
-                <a:latin typeface="+mn-lt"/>
-                <a:ea typeface="+mn-ea"/>
-                <a:cs typeface="+mn-cs"/>
-              </a:defRPr>
-            </a:lvl4pPr>
-            <a:lvl5pPr marL="932688" indent="-182880" algn="l" defTabSz="914400" rtl="0" eaLnBrk="1" latinLnBrk="0" hangingPunct="1">
-              <a:lnSpc>
-                <a:spcPct val="90000"/>
-              </a:lnSpc>
-              <a:spcBef>
-                <a:spcPts val="200"/>
-              </a:spcBef>
-              <a:spcAft>
-                <a:spcPts val="400"/>
-              </a:spcAft>
-              <a:buClr>
-                <a:schemeClr val="accent1"/>
-              </a:buClr>
-              <a:buFont typeface="Calibri" pitchFamily="34" charset="0"/>
-              <a:buChar char="◦"/>
-              <a:defRPr sz="1400" kern="1200">
-                <a:solidFill>
-                  <a:schemeClr val="tx1">
-                    <a:lumMod val="75000"/>
-                    <a:lumOff val="25000"/>
-                  </a:schemeClr>
-                </a:solidFill>
-                <a:latin typeface="+mn-lt"/>
-                <a:ea typeface="+mn-ea"/>
-                <a:cs typeface="+mn-cs"/>
-              </a:defRPr>
-            </a:lvl5pPr>
-            <a:lvl6pPr marL="1100000" indent="-228600" algn="l" defTabSz="914400" rtl="0" eaLnBrk="1" latinLnBrk="0" hangingPunct="1">
-              <a:lnSpc>
-                <a:spcPct val="90000"/>
-              </a:lnSpc>
-              <a:spcBef>
-                <a:spcPts val="200"/>
-              </a:spcBef>
-              <a:spcAft>
-                <a:spcPts val="400"/>
-              </a:spcAft>
-              <a:buClr>
-                <a:schemeClr val="accent1"/>
-              </a:buClr>
-              <a:buFont typeface="Calibri" pitchFamily="34" charset="0"/>
-              <a:buChar char="◦"/>
-              <a:defRPr sz="1400" kern="1200">
-                <a:solidFill>
-                  <a:schemeClr val="tx1">
-                    <a:lumMod val="75000"/>
-                    <a:lumOff val="25000"/>
-                  </a:schemeClr>
-                </a:solidFill>
-                <a:latin typeface="+mn-lt"/>
-                <a:ea typeface="+mn-ea"/>
-                <a:cs typeface="+mn-cs"/>
-              </a:defRPr>
-            </a:lvl6pPr>
-            <a:lvl7pPr marL="1300000" indent="-228600" algn="l" defTabSz="914400" rtl="0" eaLnBrk="1" latinLnBrk="0" hangingPunct="1">
-              <a:lnSpc>
-                <a:spcPct val="90000"/>
-              </a:lnSpc>
-              <a:spcBef>
-                <a:spcPts val="200"/>
-              </a:spcBef>
-              <a:spcAft>
-                <a:spcPts val="400"/>
-              </a:spcAft>
-              <a:buClr>
-                <a:schemeClr val="accent1"/>
-              </a:buClr>
-              <a:buFont typeface="Calibri" pitchFamily="34" charset="0"/>
-              <a:buChar char="◦"/>
-              <a:defRPr sz="1400" kern="1200">
-                <a:solidFill>
-                  <a:schemeClr val="tx1">
-                    <a:lumMod val="75000"/>
-                    <a:lumOff val="25000"/>
-                  </a:schemeClr>
-                </a:solidFill>
-                <a:latin typeface="+mn-lt"/>
-                <a:ea typeface="+mn-ea"/>
-                <a:cs typeface="+mn-cs"/>
-              </a:defRPr>
-            </a:lvl7pPr>
-            <a:lvl8pPr marL="1500000" indent="-228600" algn="l" defTabSz="914400" rtl="0" eaLnBrk="1" latinLnBrk="0" hangingPunct="1">
-              <a:lnSpc>
-                <a:spcPct val="90000"/>
-              </a:lnSpc>
-              <a:spcBef>
-                <a:spcPts val="200"/>
-              </a:spcBef>
-              <a:spcAft>
-                <a:spcPts val="400"/>
-              </a:spcAft>
-              <a:buClr>
-                <a:schemeClr val="accent1"/>
-              </a:buClr>
-              <a:buFont typeface="Calibri" pitchFamily="34" charset="0"/>
-              <a:buChar char="◦"/>
-              <a:defRPr sz="1400" kern="1200">
-                <a:solidFill>
-                  <a:schemeClr val="tx1">
-                    <a:lumMod val="75000"/>
-                    <a:lumOff val="25000"/>
-                  </a:schemeClr>
-                </a:solidFill>
-                <a:latin typeface="+mn-lt"/>
-                <a:ea typeface="+mn-ea"/>
-                <a:cs typeface="+mn-cs"/>
-              </a:defRPr>
-            </a:lvl8pPr>
-            <a:lvl9pPr marL="1700000" indent="-228600" algn="l" defTabSz="914400" rtl="0" eaLnBrk="1" latinLnBrk="0" hangingPunct="1">
-              <a:lnSpc>
-                <a:spcPct val="90000"/>
-              </a:lnSpc>
-              <a:spcBef>
-                <a:spcPts val="200"/>
-              </a:spcBef>
-              <a:spcAft>
-                <a:spcPts val="400"/>
-              </a:spcAft>
-              <a:buClr>
-                <a:schemeClr val="accent1"/>
-              </a:buClr>
-              <a:buFont typeface="Calibri" pitchFamily="34" charset="0"/>
-              <a:buChar char="◦"/>
-              <a:defRPr sz="1400" kern="1200">
-                <a:solidFill>
-                  <a:schemeClr val="tx1">
-                    <a:lumMod val="75000"/>
-                    <a:lumOff val="25000"/>
-                  </a:schemeClr>
-                </a:solidFill>
-                <a:latin typeface="+mn-lt"/>
-                <a:ea typeface="+mn-ea"/>
-                <a:cs typeface="+mn-cs"/>
-              </a:defRPr>
-            </a:lvl9pPr>
-          </a:lstStyle>
-          <a:p>
-            <a:pPr>
-              <a:lnSpc>
-                <a:spcPct val="150000"/>
-              </a:lnSpc>
-              <a:buFont typeface="Wingdings" panose="05000000000000000000" pitchFamily="2" charset="2"/>
-              <a:buChar char="ü"/>
-            </a:pPr>
+          <a:lstStyle/>
+          <a:p>
+            <a:pPr algn="ctr"/>
             <a:r>
               <a:rPr lang="pt-BR" dirty="0" smtClean="0">
-                <a:latin typeface="Times New Roman" panose="02020603050405020304" pitchFamily="18" charset="0"/>
-                <a:cs typeface="Times New Roman" panose="02020603050405020304" pitchFamily="18" charset="0"/>
-              </a:rPr>
-              <a:t>Objetivos alcançados;</a:t>
-            </a:r>
-          </a:p>
-          <a:p>
-            <a:pPr>
-              <a:lnSpc>
-                <a:spcPct val="150000"/>
-              </a:lnSpc>
-              <a:buFont typeface="Wingdings" panose="05000000000000000000" pitchFamily="2" charset="2"/>
-              <a:buChar char="ü"/>
-            </a:pPr>
-            <a:r>
-              <a:rPr lang="pt-BR" dirty="0" smtClean="0">
-                <a:latin typeface="Times New Roman" panose="02020603050405020304" pitchFamily="18" charset="0"/>
-                <a:cs typeface="Times New Roman" panose="02020603050405020304" pitchFamily="18" charset="0"/>
-              </a:rPr>
-              <a:t>Projetos futuros;</a:t>
-            </a:r>
+                <a:solidFill>
+                  <a:schemeClr val="bg1"/>
+                </a:solidFill>
+                <a:latin typeface="Times New Roman" panose="02020603050405020304" pitchFamily="18" charset="0"/>
+                <a:cs typeface="Times New Roman" panose="02020603050405020304" pitchFamily="18" charset="0"/>
+              </a:rPr>
+              <a:t>Figura 12: Página de cadastro</a:t>
+            </a:r>
+            <a:endParaRPr lang="pt-BR" dirty="0">
+              <a:solidFill>
+                <a:schemeClr val="bg1"/>
+              </a:solidFill>
+              <a:latin typeface="Times New Roman" panose="02020603050405020304" pitchFamily="18" charset="0"/>
+              <a:cs typeface="Times New Roman" panose="02020603050405020304" pitchFamily="18" charset="0"/>
+            </a:endParaRPr>
           </a:p>
         </p:txBody>
       </p:sp>
     </p:spTree>
     <p:extLst>
       <p:ext uri="{BB962C8B-B14F-4D97-AF65-F5344CB8AC3E}">
-        <p14:creationId xmlns:p14="http://schemas.microsoft.com/office/powerpoint/2010/main" val="328228672"/>
+        <p14:creationId xmlns:p14="http://schemas.microsoft.com/office/powerpoint/2010/main" val="2307223767"/>
       </p:ext>
     </p:extLst>
   </p:cSld>
@@ -5171,7 +5796,7 @@
                 <a:latin typeface="Times New Roman" panose="02020603050405020304" pitchFamily="18" charset="0"/>
                 <a:cs typeface="Times New Roman" panose="02020603050405020304" pitchFamily="18" charset="0"/>
               </a:rPr>
-              <a:t>Referências</a:t>
+              <a:t>PÁGINA DE LOGIN</a:t>
             </a:r>
             <a:endParaRPr lang="pt-BR" dirty="0">
               <a:latin typeface="Times New Roman" panose="02020603050405020304" pitchFamily="18" charset="0"/>
@@ -5209,617 +5834,609 @@
           </a:xfrm>
         </p:spPr>
       </p:pic>
-      <p:sp>
-        <p:nvSpPr>
-          <p:cNvPr id="6" name="Espaço Reservado para Conteúdo 2"/>
-          <p:cNvSpPr txBox="1">
-            <a:spLocks/>
-          </p:cNvSpPr>
+      <p:pic>
+        <p:nvPicPr>
+          <p:cNvPr id="3" name="Imagem 2"/>
+          <p:cNvPicPr>
+            <a:picLocks noChangeAspect="1"/>
+          </p:cNvPicPr>
           <p:nvPr/>
-        </p:nvSpPr>
-        <p:spPr>
-          <a:xfrm>
-            <a:off x="1097280" y="1845734"/>
-            <a:ext cx="10058400" cy="4023360"/>
+        </p:nvPicPr>
+        <p:blipFill>
+          <a:blip r:embed="rId3">
+            <a:extLst>
+              <a:ext uri="{28A0092B-C50C-407E-A947-70E740481C1C}">
+                <a14:useLocalDpi xmlns:a14="http://schemas.microsoft.com/office/drawing/2010/main" val="0"/>
+              </a:ext>
+            </a:extLst>
+          </a:blip>
+          <a:stretch>
+            <a:fillRect/>
+          </a:stretch>
+        </p:blipFill>
+        <p:spPr>
+          <a:xfrm>
+            <a:off x="2063336" y="1947761"/>
+            <a:ext cx="8217725" cy="4279556"/>
           </a:xfrm>
           <a:prstGeom prst="rect">
             <a:avLst/>
           </a:prstGeom>
         </p:spPr>
-        <p:txBody>
-          <a:bodyPr vert="horz" lIns="0" tIns="45720" rIns="0" bIns="45720" rtlCol="0">
-            <a:noAutofit/>
+      </p:pic>
+      <p:sp>
+        <p:nvSpPr>
+          <p:cNvPr id="7" name="CaixaDeTexto 6"/>
+          <p:cNvSpPr txBox="1"/>
+          <p:nvPr/>
+        </p:nvSpPr>
+        <p:spPr>
+          <a:xfrm>
+            <a:off x="0" y="6414643"/>
+            <a:ext cx="12192000" cy="369332"/>
+          </a:xfrm>
+          <a:prstGeom prst="rect">
+            <a:avLst/>
+          </a:prstGeom>
+          <a:noFill/>
+        </p:spPr>
+        <p:txBody>
+          <a:bodyPr wrap="square" rtlCol="0">
+            <a:spAutoFit/>
           </a:bodyPr>
-          <a:lstStyle>
-            <a:lvl1pPr marL="91440" indent="-91440" algn="l" defTabSz="914400" rtl="0" eaLnBrk="1" latinLnBrk="0" hangingPunct="1">
-              <a:lnSpc>
-                <a:spcPct val="90000"/>
-              </a:lnSpc>
-              <a:spcBef>
-                <a:spcPts val="1200"/>
-              </a:spcBef>
-              <a:spcAft>
-                <a:spcPts val="200"/>
-              </a:spcAft>
-              <a:buClr>
-                <a:schemeClr val="accent1"/>
-              </a:buClr>
-              <a:buSzPct val="100000"/>
-              <a:buFont typeface="Calibri" panose="020F0502020204030204" pitchFamily="34" charset="0"/>
-              <a:buChar char=" "/>
-              <a:defRPr sz="2000" kern="1200">
-                <a:solidFill>
-                  <a:schemeClr val="tx1">
-                    <a:lumMod val="75000"/>
-                    <a:lumOff val="25000"/>
-                  </a:schemeClr>
-                </a:solidFill>
-                <a:latin typeface="+mn-lt"/>
-                <a:ea typeface="+mn-ea"/>
-                <a:cs typeface="+mn-cs"/>
-              </a:defRPr>
-            </a:lvl1pPr>
-            <a:lvl2pPr marL="384048" indent="-182880" algn="l" defTabSz="914400" rtl="0" eaLnBrk="1" latinLnBrk="0" hangingPunct="1">
-              <a:lnSpc>
-                <a:spcPct val="90000"/>
-              </a:lnSpc>
-              <a:spcBef>
-                <a:spcPts val="200"/>
-              </a:spcBef>
-              <a:spcAft>
-                <a:spcPts val="400"/>
-              </a:spcAft>
-              <a:buClr>
-                <a:schemeClr val="accent1"/>
-              </a:buClr>
-              <a:buFont typeface="Calibri" pitchFamily="34" charset="0"/>
-              <a:buChar char="◦"/>
-              <a:defRPr sz="1800" kern="1200">
-                <a:solidFill>
-                  <a:schemeClr val="tx1">
-                    <a:lumMod val="75000"/>
-                    <a:lumOff val="25000"/>
-                  </a:schemeClr>
-                </a:solidFill>
-                <a:latin typeface="+mn-lt"/>
-                <a:ea typeface="+mn-ea"/>
-                <a:cs typeface="+mn-cs"/>
-              </a:defRPr>
-            </a:lvl2pPr>
-            <a:lvl3pPr marL="566928" indent="-182880" algn="l" defTabSz="914400" rtl="0" eaLnBrk="1" latinLnBrk="0" hangingPunct="1">
-              <a:lnSpc>
-                <a:spcPct val="90000"/>
-              </a:lnSpc>
-              <a:spcBef>
-                <a:spcPts val="200"/>
-              </a:spcBef>
-              <a:spcAft>
-                <a:spcPts val="400"/>
-              </a:spcAft>
-              <a:buClr>
-                <a:schemeClr val="accent1"/>
-              </a:buClr>
-              <a:buFont typeface="Calibri" pitchFamily="34" charset="0"/>
-              <a:buChar char="◦"/>
-              <a:defRPr sz="1400" kern="1200">
-                <a:solidFill>
-                  <a:schemeClr val="tx1">
-                    <a:lumMod val="75000"/>
-                    <a:lumOff val="25000"/>
-                  </a:schemeClr>
-                </a:solidFill>
-                <a:latin typeface="+mn-lt"/>
-                <a:ea typeface="+mn-ea"/>
-                <a:cs typeface="+mn-cs"/>
-              </a:defRPr>
-            </a:lvl3pPr>
-            <a:lvl4pPr marL="749808" indent="-182880" algn="l" defTabSz="914400" rtl="0" eaLnBrk="1" latinLnBrk="0" hangingPunct="1">
-              <a:lnSpc>
-                <a:spcPct val="90000"/>
-              </a:lnSpc>
-              <a:spcBef>
-                <a:spcPts val="200"/>
-              </a:spcBef>
-              <a:spcAft>
-                <a:spcPts val="400"/>
-              </a:spcAft>
-              <a:buClr>
-                <a:schemeClr val="accent1"/>
-              </a:buClr>
-              <a:buFont typeface="Calibri" pitchFamily="34" charset="0"/>
-              <a:buChar char="◦"/>
-              <a:defRPr sz="1400" kern="1200">
-                <a:solidFill>
-                  <a:schemeClr val="tx1">
-                    <a:lumMod val="75000"/>
-                    <a:lumOff val="25000"/>
-                  </a:schemeClr>
-                </a:solidFill>
-                <a:latin typeface="+mn-lt"/>
-                <a:ea typeface="+mn-ea"/>
-                <a:cs typeface="+mn-cs"/>
-              </a:defRPr>
-            </a:lvl4pPr>
-            <a:lvl5pPr marL="932688" indent="-182880" algn="l" defTabSz="914400" rtl="0" eaLnBrk="1" latinLnBrk="0" hangingPunct="1">
-              <a:lnSpc>
-                <a:spcPct val="90000"/>
-              </a:lnSpc>
-              <a:spcBef>
-                <a:spcPts val="200"/>
-              </a:spcBef>
-              <a:spcAft>
-                <a:spcPts val="400"/>
-              </a:spcAft>
-              <a:buClr>
-                <a:schemeClr val="accent1"/>
-              </a:buClr>
-              <a:buFont typeface="Calibri" pitchFamily="34" charset="0"/>
-              <a:buChar char="◦"/>
-              <a:defRPr sz="1400" kern="1200">
-                <a:solidFill>
-                  <a:schemeClr val="tx1">
-                    <a:lumMod val="75000"/>
-                    <a:lumOff val="25000"/>
-                  </a:schemeClr>
-                </a:solidFill>
-                <a:latin typeface="+mn-lt"/>
-                <a:ea typeface="+mn-ea"/>
-                <a:cs typeface="+mn-cs"/>
-              </a:defRPr>
-            </a:lvl5pPr>
-            <a:lvl6pPr marL="1100000" indent="-228600" algn="l" defTabSz="914400" rtl="0" eaLnBrk="1" latinLnBrk="0" hangingPunct="1">
-              <a:lnSpc>
-                <a:spcPct val="90000"/>
-              </a:lnSpc>
-              <a:spcBef>
-                <a:spcPts val="200"/>
-              </a:spcBef>
-              <a:spcAft>
-                <a:spcPts val="400"/>
-              </a:spcAft>
-              <a:buClr>
-                <a:schemeClr val="accent1"/>
-              </a:buClr>
-              <a:buFont typeface="Calibri" pitchFamily="34" charset="0"/>
-              <a:buChar char="◦"/>
-              <a:defRPr sz="1400" kern="1200">
-                <a:solidFill>
-                  <a:schemeClr val="tx1">
-                    <a:lumMod val="75000"/>
-                    <a:lumOff val="25000"/>
-                  </a:schemeClr>
-                </a:solidFill>
-                <a:latin typeface="+mn-lt"/>
-                <a:ea typeface="+mn-ea"/>
-                <a:cs typeface="+mn-cs"/>
-              </a:defRPr>
-            </a:lvl6pPr>
-            <a:lvl7pPr marL="1300000" indent="-228600" algn="l" defTabSz="914400" rtl="0" eaLnBrk="1" latinLnBrk="0" hangingPunct="1">
-              <a:lnSpc>
-                <a:spcPct val="90000"/>
-              </a:lnSpc>
-              <a:spcBef>
-                <a:spcPts val="200"/>
-              </a:spcBef>
-              <a:spcAft>
-                <a:spcPts val="400"/>
-              </a:spcAft>
-              <a:buClr>
-                <a:schemeClr val="accent1"/>
-              </a:buClr>
-              <a:buFont typeface="Calibri" pitchFamily="34" charset="0"/>
-              <a:buChar char="◦"/>
-              <a:defRPr sz="1400" kern="1200">
-                <a:solidFill>
-                  <a:schemeClr val="tx1">
-                    <a:lumMod val="75000"/>
-                    <a:lumOff val="25000"/>
-                  </a:schemeClr>
-                </a:solidFill>
-                <a:latin typeface="+mn-lt"/>
-                <a:ea typeface="+mn-ea"/>
-                <a:cs typeface="+mn-cs"/>
-              </a:defRPr>
-            </a:lvl7pPr>
-            <a:lvl8pPr marL="1500000" indent="-228600" algn="l" defTabSz="914400" rtl="0" eaLnBrk="1" latinLnBrk="0" hangingPunct="1">
-              <a:lnSpc>
-                <a:spcPct val="90000"/>
-              </a:lnSpc>
-              <a:spcBef>
-                <a:spcPts val="200"/>
-              </a:spcBef>
-              <a:spcAft>
-                <a:spcPts val="400"/>
-              </a:spcAft>
-              <a:buClr>
-                <a:schemeClr val="accent1"/>
-              </a:buClr>
-              <a:buFont typeface="Calibri" pitchFamily="34" charset="0"/>
-              <a:buChar char="◦"/>
-              <a:defRPr sz="1400" kern="1200">
-                <a:solidFill>
-                  <a:schemeClr val="tx1">
-                    <a:lumMod val="75000"/>
-                    <a:lumOff val="25000"/>
-                  </a:schemeClr>
-                </a:solidFill>
-                <a:latin typeface="+mn-lt"/>
-                <a:ea typeface="+mn-ea"/>
-                <a:cs typeface="+mn-cs"/>
-              </a:defRPr>
-            </a:lvl8pPr>
-            <a:lvl9pPr marL="1700000" indent="-228600" algn="l" defTabSz="914400" rtl="0" eaLnBrk="1" latinLnBrk="0" hangingPunct="1">
-              <a:lnSpc>
-                <a:spcPct val="90000"/>
-              </a:lnSpc>
-              <a:spcBef>
-                <a:spcPts val="200"/>
-              </a:spcBef>
-              <a:spcAft>
-                <a:spcPts val="400"/>
-              </a:spcAft>
-              <a:buClr>
-                <a:schemeClr val="accent1"/>
-              </a:buClr>
-              <a:buFont typeface="Calibri" pitchFamily="34" charset="0"/>
-              <a:buChar char="◦"/>
-              <a:defRPr sz="1400" kern="1200">
-                <a:solidFill>
-                  <a:schemeClr val="tx1">
-                    <a:lumMod val="75000"/>
-                    <a:lumOff val="25000"/>
-                  </a:schemeClr>
-                </a:solidFill>
-                <a:latin typeface="+mn-lt"/>
-                <a:ea typeface="+mn-ea"/>
-                <a:cs typeface="+mn-cs"/>
-              </a:defRPr>
-            </a:lvl9pPr>
-          </a:lstStyle>
-          <a:p>
-            <a:pPr marL="0" indent="0">
-              <a:lnSpc>
-                <a:spcPct val="100000"/>
-              </a:lnSpc>
-              <a:buNone/>
-            </a:pPr>
+          <a:lstStyle/>
+          <a:p>
+            <a:pPr algn="ctr"/>
             <a:r>
               <a:rPr lang="pt-BR" dirty="0" smtClean="0">
                 <a:solidFill>
-                  <a:schemeClr val="tx1"/>
-                </a:solidFill>
-                <a:latin typeface="Times New Roman" panose="02020603050405020304" pitchFamily="18" charset="0"/>
-                <a:cs typeface="Times New Roman" panose="02020603050405020304" pitchFamily="18" charset="0"/>
-              </a:rPr>
-              <a:t>FLANAGAN, David. </a:t>
-            </a:r>
-            <a:r>
-              <a:rPr lang="pt-BR" b="1" dirty="0" err="1" smtClean="0">
-                <a:solidFill>
-                  <a:schemeClr val="tx1"/>
-                </a:solidFill>
-                <a:latin typeface="Times New Roman" panose="02020603050405020304" pitchFamily="18" charset="0"/>
-                <a:cs typeface="Times New Roman" panose="02020603050405020304" pitchFamily="18" charset="0"/>
-              </a:rPr>
-              <a:t>JavaScript</a:t>
-            </a:r>
-            <a:r>
-              <a:rPr lang="pt-BR" b="1" dirty="0" smtClean="0">
-                <a:solidFill>
-                  <a:schemeClr val="tx1"/>
-                </a:solidFill>
-                <a:latin typeface="Times New Roman" panose="02020603050405020304" pitchFamily="18" charset="0"/>
-                <a:cs typeface="Times New Roman" panose="02020603050405020304" pitchFamily="18" charset="0"/>
-              </a:rPr>
-              <a:t>: O guia definitivo</a:t>
-            </a:r>
-            <a:r>
-              <a:rPr lang="pt-BR" dirty="0" smtClean="0">
-                <a:solidFill>
-                  <a:schemeClr val="tx1"/>
-                </a:solidFill>
-                <a:latin typeface="Times New Roman" panose="02020603050405020304" pitchFamily="18" charset="0"/>
-                <a:cs typeface="Times New Roman" panose="02020603050405020304" pitchFamily="18" charset="0"/>
-              </a:rPr>
-              <a:t>.</a:t>
-            </a:r>
-            <a:r>
-              <a:rPr lang="pt-BR" b="1" dirty="0" smtClean="0">
-                <a:solidFill>
-                  <a:schemeClr val="tx1"/>
-                </a:solidFill>
-                <a:latin typeface="Times New Roman" panose="02020603050405020304" pitchFamily="18" charset="0"/>
-                <a:cs typeface="Times New Roman" panose="02020603050405020304" pitchFamily="18" charset="0"/>
-              </a:rPr>
-              <a:t> </a:t>
+                  <a:schemeClr val="bg1"/>
+                </a:solidFill>
+                <a:latin typeface="Times New Roman" panose="02020603050405020304" pitchFamily="18" charset="0"/>
+                <a:cs typeface="Times New Roman" panose="02020603050405020304" pitchFamily="18" charset="0"/>
+              </a:rPr>
+              <a:t>Figura 13: Página de </a:t>
             </a:r>
             <a:r>
               <a:rPr lang="pt-BR" dirty="0" err="1" smtClean="0">
                 <a:solidFill>
-                  <a:schemeClr val="tx1"/>
-                </a:solidFill>
-                <a:latin typeface="Times New Roman" panose="02020603050405020304" pitchFamily="18" charset="0"/>
-                <a:cs typeface="Times New Roman" panose="02020603050405020304" pitchFamily="18" charset="0"/>
-              </a:rPr>
-              <a:t>Bookman</a:t>
-            </a:r>
-            <a:r>
-              <a:rPr lang="pt-BR" dirty="0" smtClean="0">
-                <a:solidFill>
-                  <a:schemeClr val="tx1"/>
-                </a:solidFill>
-                <a:latin typeface="Times New Roman" panose="02020603050405020304" pitchFamily="18" charset="0"/>
-                <a:cs typeface="Times New Roman" panose="02020603050405020304" pitchFamily="18" charset="0"/>
-              </a:rPr>
-              <a:t> Editora, 2007. </a:t>
-            </a:r>
-          </a:p>
-          <a:p>
-            <a:pPr marL="0" indent="0">
-              <a:lnSpc>
-                <a:spcPct val="100000"/>
-              </a:lnSpc>
-              <a:buNone/>
-            </a:pPr>
-            <a:r>
-              <a:rPr lang="pt-BR" dirty="0" smtClean="0">
-                <a:solidFill>
-                  <a:schemeClr val="tx1"/>
-                </a:solidFill>
-                <a:latin typeface="Times New Roman" panose="02020603050405020304" pitchFamily="18" charset="0"/>
-                <a:cs typeface="Times New Roman" panose="02020603050405020304" pitchFamily="18" charset="0"/>
-              </a:rPr>
-              <a:t>FURTADO, Teresa. </a:t>
-            </a:r>
-            <a:r>
-              <a:rPr lang="pt-BR" b="1" dirty="0" smtClean="0">
-                <a:solidFill>
-                  <a:schemeClr val="tx1"/>
-                </a:solidFill>
-                <a:latin typeface="Times New Roman" panose="02020603050405020304" pitchFamily="18" charset="0"/>
-                <a:cs typeface="Times New Roman" panose="02020603050405020304" pitchFamily="18" charset="0"/>
-              </a:rPr>
-              <a:t>O que é HTML? Saiba do que são feitos os sites da Internet</a:t>
-            </a:r>
-            <a:r>
-              <a:rPr lang="pt-BR" dirty="0" smtClean="0">
-                <a:solidFill>
-                  <a:schemeClr val="tx1"/>
-                </a:solidFill>
-                <a:latin typeface="Times New Roman" panose="02020603050405020304" pitchFamily="18" charset="0"/>
-                <a:cs typeface="Times New Roman" panose="02020603050405020304" pitchFamily="18" charset="0"/>
-              </a:rPr>
-              <a:t>. 2011 (Disponível em: (http://www.techtudo.com.br/dicas-e-tutoriais/noticia/2011/08/o-que-e-html-saibado-que-sao-feitos-os-sites-da-internet.html) acessado em 21/09/2017). </a:t>
-            </a:r>
-          </a:p>
-          <a:p>
-            <a:pPr marL="0" indent="0">
-              <a:lnSpc>
-                <a:spcPct val="100000"/>
-              </a:lnSpc>
-              <a:buNone/>
-            </a:pPr>
-            <a:r>
-              <a:rPr lang="pt-BR" dirty="0" smtClean="0">
-                <a:solidFill>
-                  <a:schemeClr val="tx1"/>
-                </a:solidFill>
-                <a:latin typeface="Times New Roman" panose="02020603050405020304" pitchFamily="18" charset="0"/>
-                <a:cs typeface="Times New Roman" panose="02020603050405020304" pitchFamily="18" charset="0"/>
-              </a:rPr>
-              <a:t>LIMA, Davi de. </a:t>
-            </a:r>
-            <a:r>
-              <a:rPr lang="pt-BR" b="1" dirty="0" smtClean="0">
-                <a:solidFill>
-                  <a:schemeClr val="tx1"/>
-                </a:solidFill>
-                <a:latin typeface="Times New Roman" panose="02020603050405020304" pitchFamily="18" charset="0"/>
-                <a:cs typeface="Times New Roman" panose="02020603050405020304" pitchFamily="18" charset="0"/>
-              </a:rPr>
-              <a:t>Modele softwares com </a:t>
-            </a:r>
-            <a:r>
-              <a:rPr lang="pt-BR" b="1" dirty="0" err="1" smtClean="0">
-                <a:solidFill>
-                  <a:schemeClr val="tx1"/>
-                </a:solidFill>
-                <a:latin typeface="Times New Roman" panose="02020603050405020304" pitchFamily="18" charset="0"/>
-                <a:cs typeface="Times New Roman" panose="02020603050405020304" pitchFamily="18" charset="0"/>
-              </a:rPr>
-              <a:t>Astah</a:t>
-            </a:r>
-            <a:r>
-              <a:rPr lang="pt-BR" b="1" dirty="0" smtClean="0">
-                <a:solidFill>
-                  <a:schemeClr val="tx1"/>
-                </a:solidFill>
-                <a:latin typeface="Times New Roman" panose="02020603050405020304" pitchFamily="18" charset="0"/>
-                <a:cs typeface="Times New Roman" panose="02020603050405020304" pitchFamily="18" charset="0"/>
-              </a:rPr>
-              <a:t> </a:t>
-            </a:r>
-            <a:r>
-              <a:rPr lang="pt-BR" b="1" dirty="0" err="1" smtClean="0">
-                <a:solidFill>
-                  <a:schemeClr val="tx1"/>
-                </a:solidFill>
-                <a:latin typeface="Times New Roman" panose="02020603050405020304" pitchFamily="18" charset="0"/>
-                <a:cs typeface="Times New Roman" panose="02020603050405020304" pitchFamily="18" charset="0"/>
-              </a:rPr>
-              <a:t>Community</a:t>
-            </a:r>
-            <a:r>
-              <a:rPr lang="pt-BR" dirty="0" smtClean="0">
-                <a:solidFill>
-                  <a:schemeClr val="tx1"/>
-                </a:solidFill>
-                <a:latin typeface="Times New Roman" panose="02020603050405020304" pitchFamily="18" charset="0"/>
-                <a:cs typeface="Times New Roman" panose="02020603050405020304" pitchFamily="18" charset="0"/>
-              </a:rPr>
-              <a:t>. 2016 (Disponível em: (http://www.techtudo.com.br/tudo-sobre/astah-commmunity.html) acessado em 12/09/2017).</a:t>
-            </a:r>
-          </a:p>
-          <a:p>
-            <a:pPr marL="0" indent="0">
-              <a:lnSpc>
-                <a:spcPct val="100000"/>
-              </a:lnSpc>
-              <a:buNone/>
-            </a:pPr>
-            <a:r>
-              <a:rPr lang="pt-BR" dirty="0" smtClean="0">
-                <a:solidFill>
-                  <a:schemeClr val="tx1"/>
-                </a:solidFill>
-                <a:latin typeface="Times New Roman" panose="02020603050405020304" pitchFamily="18" charset="0"/>
-                <a:cs typeface="Times New Roman" panose="02020603050405020304" pitchFamily="18" charset="0"/>
-              </a:rPr>
-              <a:t> NIEDERAUER, Juliano. </a:t>
-            </a:r>
-            <a:r>
-              <a:rPr lang="pt-BR" b="1" dirty="0" smtClean="0">
-                <a:solidFill>
-                  <a:schemeClr val="tx1"/>
-                </a:solidFill>
-                <a:latin typeface="Times New Roman" panose="02020603050405020304" pitchFamily="18" charset="0"/>
-                <a:cs typeface="Times New Roman" panose="02020603050405020304" pitchFamily="18" charset="0"/>
-              </a:rPr>
-              <a:t>Desenvolvendo websites com PHP</a:t>
-            </a:r>
-            <a:r>
-              <a:rPr lang="pt-BR" dirty="0" smtClean="0">
-                <a:solidFill>
-                  <a:schemeClr val="tx1"/>
-                </a:solidFill>
-                <a:latin typeface="Times New Roman" panose="02020603050405020304" pitchFamily="18" charset="0"/>
-                <a:cs typeface="Times New Roman" panose="02020603050405020304" pitchFamily="18" charset="0"/>
-              </a:rPr>
-              <a:t>. São Paulo: </a:t>
-            </a:r>
-            <a:r>
-              <a:rPr lang="pt-BR" dirty="0" err="1" smtClean="0">
-                <a:solidFill>
-                  <a:schemeClr val="tx1"/>
-                </a:solidFill>
-                <a:latin typeface="Times New Roman" panose="02020603050405020304" pitchFamily="18" charset="0"/>
-                <a:cs typeface="Times New Roman" panose="02020603050405020304" pitchFamily="18" charset="0"/>
-              </a:rPr>
-              <a:t>Novatec</a:t>
-            </a:r>
-            <a:r>
-              <a:rPr lang="pt-BR" dirty="0" smtClean="0">
-                <a:solidFill>
-                  <a:schemeClr val="tx1"/>
-                </a:solidFill>
-                <a:latin typeface="Times New Roman" panose="02020603050405020304" pitchFamily="18" charset="0"/>
-                <a:cs typeface="Times New Roman" panose="02020603050405020304" pitchFamily="18" charset="0"/>
-              </a:rPr>
-              <a:t>, 2004.</a:t>
-            </a:r>
-          </a:p>
-          <a:p>
-            <a:pPr marL="0" indent="0">
-              <a:lnSpc>
-                <a:spcPct val="100000"/>
-              </a:lnSpc>
-              <a:buNone/>
-            </a:pPr>
-            <a:r>
-              <a:rPr lang="pt-BR" dirty="0" smtClean="0">
-                <a:solidFill>
-                  <a:schemeClr val="tx1"/>
-                </a:solidFill>
-                <a:latin typeface="Times New Roman" panose="02020603050405020304" pitchFamily="18" charset="0"/>
-                <a:cs typeface="Times New Roman" panose="02020603050405020304" pitchFamily="18" charset="0"/>
-              </a:rPr>
-              <a:t> MILANI, André. </a:t>
-            </a:r>
-            <a:r>
-              <a:rPr lang="pt-BR" b="1" dirty="0" smtClean="0">
-                <a:solidFill>
-                  <a:schemeClr val="tx1"/>
-                </a:solidFill>
-                <a:latin typeface="Times New Roman" panose="02020603050405020304" pitchFamily="18" charset="0"/>
-                <a:cs typeface="Times New Roman" panose="02020603050405020304" pitchFamily="18" charset="0"/>
-              </a:rPr>
-              <a:t>MySQL-guia do programador</a:t>
-            </a:r>
-            <a:r>
-              <a:rPr lang="pt-BR" dirty="0" smtClean="0">
-                <a:solidFill>
-                  <a:schemeClr val="tx1"/>
-                </a:solidFill>
-                <a:latin typeface="Times New Roman" panose="02020603050405020304" pitchFamily="18" charset="0"/>
-                <a:cs typeface="Times New Roman" panose="02020603050405020304" pitchFamily="18" charset="0"/>
-              </a:rPr>
-              <a:t>. </a:t>
-            </a:r>
-            <a:r>
-              <a:rPr lang="pt-BR" dirty="0" err="1" smtClean="0">
-                <a:solidFill>
-                  <a:schemeClr val="tx1"/>
-                </a:solidFill>
-                <a:latin typeface="Times New Roman" panose="02020603050405020304" pitchFamily="18" charset="0"/>
-                <a:cs typeface="Times New Roman" panose="02020603050405020304" pitchFamily="18" charset="0"/>
-              </a:rPr>
-              <a:t>Novatec</a:t>
-            </a:r>
-            <a:r>
-              <a:rPr lang="pt-BR" dirty="0" smtClean="0">
-                <a:solidFill>
-                  <a:schemeClr val="tx1"/>
-                </a:solidFill>
-                <a:latin typeface="Times New Roman" panose="02020603050405020304" pitchFamily="18" charset="0"/>
-                <a:cs typeface="Times New Roman" panose="02020603050405020304" pitchFamily="18" charset="0"/>
-              </a:rPr>
-              <a:t> Editora, 2007.</a:t>
-            </a:r>
-          </a:p>
-          <a:p>
-            <a:pPr marL="0" indent="0">
-              <a:lnSpc>
-                <a:spcPct val="100000"/>
-              </a:lnSpc>
-              <a:buNone/>
-            </a:pPr>
-            <a:r>
-              <a:rPr lang="pt-BR" dirty="0" smtClean="0">
-                <a:solidFill>
-                  <a:schemeClr val="tx1"/>
-                </a:solidFill>
-                <a:latin typeface="Times New Roman" panose="02020603050405020304" pitchFamily="18" charset="0"/>
-                <a:cs typeface="Times New Roman" panose="02020603050405020304" pitchFamily="18" charset="0"/>
-              </a:rPr>
-              <a:t> WERLICH, Cláudia. </a:t>
-            </a:r>
-            <a:r>
-              <a:rPr lang="pt-BR" b="1" dirty="0" smtClean="0">
-                <a:solidFill>
-                  <a:schemeClr val="tx1"/>
-                </a:solidFill>
-                <a:latin typeface="Times New Roman" panose="02020603050405020304" pitchFamily="18" charset="0"/>
-                <a:cs typeface="Times New Roman" panose="02020603050405020304" pitchFamily="18" charset="0"/>
-              </a:rPr>
-              <a:t>Sistemas de banco de dados - Apostila. Edição 1</a:t>
-            </a:r>
-            <a:r>
-              <a:rPr lang="pt-BR" dirty="0" smtClean="0">
-                <a:solidFill>
-                  <a:schemeClr val="tx1"/>
-                </a:solidFill>
-                <a:latin typeface="Times New Roman" panose="02020603050405020304" pitchFamily="18" charset="0"/>
-                <a:cs typeface="Times New Roman" panose="02020603050405020304" pitchFamily="18" charset="0"/>
-              </a:rPr>
-              <a:t>. Joinville: ETT, 2014. </a:t>
-            </a:r>
+                  <a:schemeClr val="bg1"/>
+                </a:solidFill>
+                <a:latin typeface="Times New Roman" panose="02020603050405020304" pitchFamily="18" charset="0"/>
+                <a:cs typeface="Times New Roman" panose="02020603050405020304" pitchFamily="18" charset="0"/>
+              </a:rPr>
+              <a:t>login</a:t>
+            </a:r>
+            <a:endParaRPr lang="pt-BR" dirty="0">
+              <a:solidFill>
+                <a:schemeClr val="bg1"/>
+              </a:solidFill>
+              <a:latin typeface="Times New Roman" panose="02020603050405020304" pitchFamily="18" charset="0"/>
+              <a:cs typeface="Times New Roman" panose="02020603050405020304" pitchFamily="18" charset="0"/>
+            </a:endParaRPr>
           </a:p>
         </p:txBody>
       </p:sp>
     </p:spTree>
     <p:extLst>
       <p:ext uri="{BB962C8B-B14F-4D97-AF65-F5344CB8AC3E}">
-        <p14:creationId xmlns:p14="http://schemas.microsoft.com/office/powerpoint/2010/main" val="135043418"/>
+        <p14:creationId xmlns:p14="http://schemas.microsoft.com/office/powerpoint/2010/main" val="3083084802"/>
+      </p:ext>
+    </p:extLst>
+  </p:cSld>
+  <p:clrMapOvr>
+    <a:masterClrMapping/>
+  </p:clrMapOvr>
+  <p:timing>
+    <p:tnLst>
+      <p:par>
+        <p:cTn id="1" dur="indefinite" restart="never" nodeType="tmRoot"/>
+      </p:par>
+    </p:tnLst>
+  </p:timing>
+</p:sld>
+</file>
+
+<file path=ppt/slides/slide16.xml><?xml version="1.0" encoding="utf-8"?>
+<p:sld xmlns:a="http://schemas.openxmlformats.org/drawingml/2006/main" xmlns:r="http://schemas.openxmlformats.org/officeDocument/2006/relationships" xmlns:p="http://schemas.openxmlformats.org/presentationml/2006/main">
+  <p:cSld>
+    <p:spTree>
+      <p:nvGrpSpPr>
+        <p:cNvPr id="1" name=""/>
+        <p:cNvGrpSpPr/>
+        <p:nvPr/>
+      </p:nvGrpSpPr>
+      <p:grpSpPr>
+        <a:xfrm>
+          <a:off x="0" y="0"/>
+          <a:ext cx="0" cy="0"/>
+          <a:chOff x="0" y="0"/>
+          <a:chExt cx="0" cy="0"/>
+        </a:xfrm>
+      </p:grpSpPr>
+      <p:sp>
+        <p:nvSpPr>
+          <p:cNvPr id="2" name="Título 1"/>
+          <p:cNvSpPr>
+            <a:spLocks noGrp="1"/>
+          </p:cNvSpPr>
+          <p:nvPr>
+            <p:ph type="title"/>
+          </p:nvPr>
+        </p:nvSpPr>
+        <p:spPr>
+          <a:xfrm>
+            <a:off x="1186543" y="286603"/>
+            <a:ext cx="9971313" cy="1450757"/>
+          </a:xfrm>
+        </p:spPr>
+        <p:txBody>
+          <a:bodyPr/>
+          <a:lstStyle/>
+          <a:p>
+            <a:pPr algn="ctr"/>
+            <a:r>
+              <a:rPr lang="pt-BR" dirty="0" smtClean="0">
+                <a:latin typeface="Times New Roman" panose="02020603050405020304" pitchFamily="18" charset="0"/>
+                <a:cs typeface="Times New Roman" panose="02020603050405020304" pitchFamily="18" charset="0"/>
+              </a:rPr>
+              <a:t>PÁGINA DE CADASTRO DE RECEITA</a:t>
+            </a:r>
+            <a:endParaRPr lang="pt-BR" dirty="0">
+              <a:latin typeface="Times New Roman" panose="02020603050405020304" pitchFamily="18" charset="0"/>
+              <a:cs typeface="Times New Roman" panose="02020603050405020304" pitchFamily="18" charset="0"/>
+            </a:endParaRPr>
+          </a:p>
+        </p:txBody>
+      </p:sp>
+      <p:pic>
+        <p:nvPicPr>
+          <p:cNvPr id="5" name="Espaço Reservado para Conteúdo 4"/>
+          <p:cNvPicPr>
+            <a:picLocks noGrp="1" noChangeAspect="1"/>
+          </p:cNvPicPr>
+          <p:nvPr>
+            <p:ph idx="1"/>
+          </p:nvPr>
+        </p:nvPicPr>
+        <p:blipFill>
+          <a:blip r:embed="rId2">
+            <a:extLst>
+              <a:ext uri="{28A0092B-C50C-407E-A947-70E740481C1C}">
+                <a14:useLocalDpi xmlns:a14="http://schemas.microsoft.com/office/drawing/2010/main" val="0"/>
+              </a:ext>
+            </a:extLst>
+          </a:blip>
+          <a:stretch>
+            <a:fillRect/>
+          </a:stretch>
+        </p:blipFill>
+        <p:spPr>
+          <a:xfrm>
+            <a:off x="76202" y="76202"/>
+            <a:ext cx="1295400" cy="1171575"/>
+          </a:xfrm>
+        </p:spPr>
+      </p:pic>
+      <p:pic>
+        <p:nvPicPr>
+          <p:cNvPr id="4" name="Imagem 3"/>
+          <p:cNvPicPr>
+            <a:picLocks noChangeAspect="1"/>
+          </p:cNvPicPr>
+          <p:nvPr/>
+        </p:nvPicPr>
+        <p:blipFill>
+          <a:blip r:embed="rId3">
+            <a:extLst>
+              <a:ext uri="{28A0092B-C50C-407E-A947-70E740481C1C}">
+                <a14:useLocalDpi xmlns:a14="http://schemas.microsoft.com/office/drawing/2010/main" val="0"/>
+              </a:ext>
+            </a:extLst>
+          </a:blip>
+          <a:stretch>
+            <a:fillRect/>
+          </a:stretch>
+        </p:blipFill>
+        <p:spPr>
+          <a:xfrm>
+            <a:off x="2316301" y="1888382"/>
+            <a:ext cx="7711795" cy="4393663"/>
+          </a:xfrm>
+          <a:prstGeom prst="rect">
+            <a:avLst/>
+          </a:prstGeom>
+        </p:spPr>
+      </p:pic>
+      <p:sp>
+        <p:nvSpPr>
+          <p:cNvPr id="6" name="CaixaDeTexto 5"/>
+          <p:cNvSpPr txBox="1"/>
+          <p:nvPr/>
+        </p:nvSpPr>
+        <p:spPr>
+          <a:xfrm>
+            <a:off x="0" y="6414643"/>
+            <a:ext cx="12192000" cy="369332"/>
+          </a:xfrm>
+          <a:prstGeom prst="rect">
+            <a:avLst/>
+          </a:prstGeom>
+          <a:noFill/>
+        </p:spPr>
+        <p:txBody>
+          <a:bodyPr wrap="square" rtlCol="0">
+            <a:spAutoFit/>
+          </a:bodyPr>
+          <a:lstStyle/>
+          <a:p>
+            <a:pPr algn="ctr"/>
+            <a:r>
+              <a:rPr lang="pt-BR" dirty="0" smtClean="0">
+                <a:solidFill>
+                  <a:schemeClr val="bg1"/>
+                </a:solidFill>
+                <a:latin typeface="Times New Roman" panose="02020603050405020304" pitchFamily="18" charset="0"/>
+                <a:cs typeface="Times New Roman" panose="02020603050405020304" pitchFamily="18" charset="0"/>
+              </a:rPr>
+              <a:t>Figura 14: Página para cadastrar receita</a:t>
+            </a:r>
+            <a:endParaRPr lang="pt-BR" dirty="0">
+              <a:solidFill>
+                <a:schemeClr val="bg1"/>
+              </a:solidFill>
+              <a:latin typeface="Times New Roman" panose="02020603050405020304" pitchFamily="18" charset="0"/>
+              <a:cs typeface="Times New Roman" panose="02020603050405020304" pitchFamily="18" charset="0"/>
+            </a:endParaRPr>
+          </a:p>
+        </p:txBody>
+      </p:sp>
+    </p:spTree>
+    <p:extLst>
+      <p:ext uri="{BB962C8B-B14F-4D97-AF65-F5344CB8AC3E}">
+        <p14:creationId xmlns:p14="http://schemas.microsoft.com/office/powerpoint/2010/main" val="3582870892"/>
+      </p:ext>
+    </p:extLst>
+  </p:cSld>
+  <p:clrMapOvr>
+    <a:masterClrMapping/>
+  </p:clrMapOvr>
+  <p:timing>
+    <p:tnLst>
+      <p:par>
+        <p:cTn id="1" dur="indefinite" restart="never" nodeType="tmRoot"/>
+      </p:par>
+    </p:tnLst>
+  </p:timing>
+</p:sld>
+</file>
+
+<file path=ppt/slides/slide17.xml><?xml version="1.0" encoding="utf-8"?>
+<p:sld xmlns:a="http://schemas.openxmlformats.org/drawingml/2006/main" xmlns:r="http://schemas.openxmlformats.org/officeDocument/2006/relationships" xmlns:p="http://schemas.openxmlformats.org/presentationml/2006/main">
+  <p:cSld>
+    <p:spTree>
+      <p:nvGrpSpPr>
+        <p:cNvPr id="1" name=""/>
+        <p:cNvGrpSpPr/>
+        <p:nvPr/>
+      </p:nvGrpSpPr>
+      <p:grpSpPr>
+        <a:xfrm>
+          <a:off x="0" y="0"/>
+          <a:ext cx="0" cy="0"/>
+          <a:chOff x="0" y="0"/>
+          <a:chExt cx="0" cy="0"/>
+        </a:xfrm>
+      </p:grpSpPr>
+      <p:sp>
+        <p:nvSpPr>
+          <p:cNvPr id="2" name="Título 1"/>
+          <p:cNvSpPr>
+            <a:spLocks noGrp="1"/>
+          </p:cNvSpPr>
+          <p:nvPr>
+            <p:ph type="title"/>
+          </p:nvPr>
+        </p:nvSpPr>
+        <p:spPr>
+          <a:xfrm>
+            <a:off x="1186543" y="286603"/>
+            <a:ext cx="9971313" cy="1450757"/>
+          </a:xfrm>
+        </p:spPr>
+        <p:txBody>
+          <a:bodyPr/>
+          <a:lstStyle/>
+          <a:p>
+            <a:pPr algn="ctr"/>
+            <a:r>
+              <a:rPr lang="pt-BR" dirty="0" smtClean="0">
+                <a:latin typeface="Times New Roman" panose="02020603050405020304" pitchFamily="18" charset="0"/>
+                <a:cs typeface="Times New Roman" panose="02020603050405020304" pitchFamily="18" charset="0"/>
+              </a:rPr>
+              <a:t>PÁGINA PARA EDITAR RECEITAS CADASTRADAS PELO USUÁRIO</a:t>
+            </a:r>
+            <a:endParaRPr lang="pt-BR" dirty="0">
+              <a:latin typeface="Times New Roman" panose="02020603050405020304" pitchFamily="18" charset="0"/>
+              <a:cs typeface="Times New Roman" panose="02020603050405020304" pitchFamily="18" charset="0"/>
+            </a:endParaRPr>
+          </a:p>
+        </p:txBody>
+      </p:sp>
+      <p:pic>
+        <p:nvPicPr>
+          <p:cNvPr id="5" name="Espaço Reservado para Conteúdo 4"/>
+          <p:cNvPicPr>
+            <a:picLocks noGrp="1" noChangeAspect="1"/>
+          </p:cNvPicPr>
+          <p:nvPr>
+            <p:ph idx="1"/>
+          </p:nvPr>
+        </p:nvPicPr>
+        <p:blipFill>
+          <a:blip r:embed="rId2">
+            <a:extLst>
+              <a:ext uri="{28A0092B-C50C-407E-A947-70E740481C1C}">
+                <a14:useLocalDpi xmlns:a14="http://schemas.microsoft.com/office/drawing/2010/main" val="0"/>
+              </a:ext>
+            </a:extLst>
+          </a:blip>
+          <a:stretch>
+            <a:fillRect/>
+          </a:stretch>
+        </p:blipFill>
+        <p:spPr>
+          <a:xfrm>
+            <a:off x="76202" y="76202"/>
+            <a:ext cx="1295400" cy="1171575"/>
+          </a:xfrm>
+        </p:spPr>
+      </p:pic>
+      <p:pic>
+        <p:nvPicPr>
+          <p:cNvPr id="3" name="Imagem 2"/>
+          <p:cNvPicPr>
+            <a:picLocks noChangeAspect="1"/>
+          </p:cNvPicPr>
+          <p:nvPr/>
+        </p:nvPicPr>
+        <p:blipFill>
+          <a:blip r:embed="rId3">
+            <a:extLst>
+              <a:ext uri="{28A0092B-C50C-407E-A947-70E740481C1C}">
+                <a14:useLocalDpi xmlns:a14="http://schemas.microsoft.com/office/drawing/2010/main" val="0"/>
+              </a:ext>
+            </a:extLst>
+          </a:blip>
+          <a:stretch>
+            <a:fillRect/>
+          </a:stretch>
+        </p:blipFill>
+        <p:spPr>
+          <a:xfrm>
+            <a:off x="2458192" y="1947761"/>
+            <a:ext cx="7420175" cy="4224384"/>
+          </a:xfrm>
+          <a:prstGeom prst="rect">
+            <a:avLst/>
+          </a:prstGeom>
+        </p:spPr>
+      </p:pic>
+      <p:sp>
+        <p:nvSpPr>
+          <p:cNvPr id="6" name="CaixaDeTexto 5"/>
+          <p:cNvSpPr txBox="1"/>
+          <p:nvPr/>
+        </p:nvSpPr>
+        <p:spPr>
+          <a:xfrm>
+            <a:off x="0" y="6414643"/>
+            <a:ext cx="12192000" cy="369332"/>
+          </a:xfrm>
+          <a:prstGeom prst="rect">
+            <a:avLst/>
+          </a:prstGeom>
+          <a:noFill/>
+        </p:spPr>
+        <p:txBody>
+          <a:bodyPr wrap="square" rtlCol="0">
+            <a:spAutoFit/>
+          </a:bodyPr>
+          <a:lstStyle/>
+          <a:p>
+            <a:pPr algn="ctr"/>
+            <a:r>
+              <a:rPr lang="pt-BR" dirty="0" smtClean="0">
+                <a:solidFill>
+                  <a:schemeClr val="bg1"/>
+                </a:solidFill>
+                <a:latin typeface="Times New Roman" panose="02020603050405020304" pitchFamily="18" charset="0"/>
+                <a:cs typeface="Times New Roman" panose="02020603050405020304" pitchFamily="18" charset="0"/>
+              </a:rPr>
+              <a:t>Figura 15: Página para visualizar receitas cadastradas pelo usuário.</a:t>
+            </a:r>
+            <a:endParaRPr lang="pt-BR" dirty="0">
+              <a:solidFill>
+                <a:schemeClr val="bg1"/>
+              </a:solidFill>
+              <a:latin typeface="Times New Roman" panose="02020603050405020304" pitchFamily="18" charset="0"/>
+              <a:cs typeface="Times New Roman" panose="02020603050405020304" pitchFamily="18" charset="0"/>
+            </a:endParaRPr>
+          </a:p>
+        </p:txBody>
+      </p:sp>
+    </p:spTree>
+    <p:extLst>
+      <p:ext uri="{BB962C8B-B14F-4D97-AF65-F5344CB8AC3E}">
+        <p14:creationId xmlns:p14="http://schemas.microsoft.com/office/powerpoint/2010/main" val="2780448999"/>
+      </p:ext>
+    </p:extLst>
+  </p:cSld>
+  <p:clrMapOvr>
+    <a:masterClrMapping/>
+  </p:clrMapOvr>
+  <p:timing>
+    <p:tnLst>
+      <p:par>
+        <p:cTn id="1" dur="indefinite" restart="never" nodeType="tmRoot"/>
+      </p:par>
+    </p:tnLst>
+  </p:timing>
+</p:sld>
+</file>
+
+<file path=ppt/slides/slide18.xml><?xml version="1.0" encoding="utf-8"?>
+<p:sld xmlns:a="http://schemas.openxmlformats.org/drawingml/2006/main" xmlns:r="http://schemas.openxmlformats.org/officeDocument/2006/relationships" xmlns:p="http://schemas.openxmlformats.org/presentationml/2006/main">
+  <p:cSld>
+    <p:spTree>
+      <p:nvGrpSpPr>
+        <p:cNvPr id="1" name=""/>
+        <p:cNvGrpSpPr/>
+        <p:nvPr/>
+      </p:nvGrpSpPr>
+      <p:grpSpPr>
+        <a:xfrm>
+          <a:off x="0" y="0"/>
+          <a:ext cx="0" cy="0"/>
+          <a:chOff x="0" y="0"/>
+          <a:chExt cx="0" cy="0"/>
+        </a:xfrm>
+      </p:grpSpPr>
+      <p:sp>
+        <p:nvSpPr>
+          <p:cNvPr id="2" name="Título 1"/>
+          <p:cNvSpPr>
+            <a:spLocks noGrp="1"/>
+          </p:cNvSpPr>
+          <p:nvPr>
+            <p:ph type="title"/>
+          </p:nvPr>
+        </p:nvSpPr>
+        <p:spPr>
+          <a:xfrm>
+            <a:off x="1186543" y="286603"/>
+            <a:ext cx="9971313" cy="1450757"/>
+          </a:xfrm>
+        </p:spPr>
+        <p:txBody>
+          <a:bodyPr/>
+          <a:lstStyle/>
+          <a:p>
+            <a:pPr algn="ctr"/>
+            <a:r>
+              <a:rPr lang="pt-BR" dirty="0" smtClean="0"/>
+              <a:t>PÁGINA DO RANKING DAS RECEITAS</a:t>
+            </a:r>
+            <a:endParaRPr lang="pt-BR" dirty="0"/>
+          </a:p>
+        </p:txBody>
+      </p:sp>
+      <p:pic>
+        <p:nvPicPr>
+          <p:cNvPr id="5" name="Espaço Reservado para Conteúdo 4"/>
+          <p:cNvPicPr>
+            <a:picLocks noGrp="1" noChangeAspect="1"/>
+          </p:cNvPicPr>
+          <p:nvPr>
+            <p:ph idx="1"/>
+          </p:nvPr>
+        </p:nvPicPr>
+        <p:blipFill>
+          <a:blip r:embed="rId2">
+            <a:extLst>
+              <a:ext uri="{28A0092B-C50C-407E-A947-70E740481C1C}">
+                <a14:useLocalDpi xmlns:a14="http://schemas.microsoft.com/office/drawing/2010/main" val="0"/>
+              </a:ext>
+            </a:extLst>
+          </a:blip>
+          <a:stretch>
+            <a:fillRect/>
+          </a:stretch>
+        </p:blipFill>
+        <p:spPr>
+          <a:xfrm>
+            <a:off x="76202" y="76202"/>
+            <a:ext cx="1295400" cy="1171575"/>
+          </a:xfrm>
+        </p:spPr>
+      </p:pic>
+      <p:pic>
+        <p:nvPicPr>
+          <p:cNvPr id="4" name="Imagem 3"/>
+          <p:cNvPicPr>
+            <a:picLocks noChangeAspect="1"/>
+          </p:cNvPicPr>
+          <p:nvPr/>
+        </p:nvPicPr>
+        <p:blipFill>
+          <a:blip r:embed="rId3">
+            <a:extLst>
+              <a:ext uri="{28A0092B-C50C-407E-A947-70E740481C1C}">
+                <a14:useLocalDpi xmlns:a14="http://schemas.microsoft.com/office/drawing/2010/main" val="0"/>
+              </a:ext>
+            </a:extLst>
+          </a:blip>
+          <a:stretch>
+            <a:fillRect/>
+          </a:stretch>
+        </p:blipFill>
+        <p:spPr>
+          <a:xfrm>
+            <a:off x="2185059" y="1947761"/>
+            <a:ext cx="7980219" cy="4162045"/>
+          </a:xfrm>
+          <a:prstGeom prst="rect">
+            <a:avLst/>
+          </a:prstGeom>
+        </p:spPr>
+      </p:pic>
+      <p:sp>
+        <p:nvSpPr>
+          <p:cNvPr id="6" name="CaixaDeTexto 5"/>
+          <p:cNvSpPr txBox="1"/>
+          <p:nvPr/>
+        </p:nvSpPr>
+        <p:spPr>
+          <a:xfrm>
+            <a:off x="0" y="6414643"/>
+            <a:ext cx="12192000" cy="369332"/>
+          </a:xfrm>
+          <a:prstGeom prst="rect">
+            <a:avLst/>
+          </a:prstGeom>
+          <a:noFill/>
+        </p:spPr>
+        <p:txBody>
+          <a:bodyPr wrap="square" rtlCol="0">
+            <a:spAutoFit/>
+          </a:bodyPr>
+          <a:lstStyle/>
+          <a:p>
+            <a:pPr algn="ctr"/>
+            <a:r>
+              <a:rPr lang="pt-BR" dirty="0" smtClean="0">
+                <a:solidFill>
+                  <a:schemeClr val="bg1"/>
+                </a:solidFill>
+                <a:latin typeface="Times New Roman" panose="02020603050405020304" pitchFamily="18" charset="0"/>
+                <a:cs typeface="Times New Roman" panose="02020603050405020304" pitchFamily="18" charset="0"/>
+              </a:rPr>
+              <a:t>Figura 16: Página para visualizar o todas as receitas</a:t>
+            </a:r>
+            <a:endParaRPr lang="pt-BR" dirty="0">
+              <a:solidFill>
+                <a:schemeClr val="bg1"/>
+              </a:solidFill>
+              <a:latin typeface="Times New Roman" panose="02020603050405020304" pitchFamily="18" charset="0"/>
+              <a:cs typeface="Times New Roman" panose="02020603050405020304" pitchFamily="18" charset="0"/>
+            </a:endParaRPr>
+          </a:p>
+        </p:txBody>
+      </p:sp>
+    </p:spTree>
+    <p:extLst>
+      <p:ext uri="{BB962C8B-B14F-4D97-AF65-F5344CB8AC3E}">
+        <p14:creationId xmlns:p14="http://schemas.microsoft.com/office/powerpoint/2010/main" val="2497004199"/>
       </p:ext>
     </p:extLst>
   </p:cSld>
@@ -5863,12 +6480,7 @@
             <p:ph type="title"/>
           </p:nvPr>
         </p:nvSpPr>
-        <p:spPr>
-          <a:xfrm>
-            <a:off x="1186543" y="286603"/>
-            <a:ext cx="9971313" cy="1450757"/>
-          </a:xfrm>
-        </p:spPr>
+        <p:spPr/>
         <p:txBody>
           <a:bodyPr/>
           <a:lstStyle/>
@@ -5879,7 +6491,7 @@
                 <a:latin typeface="Times New Roman" panose="02020603050405020304" pitchFamily="18" charset="0"/>
                 <a:cs typeface="Times New Roman" panose="02020603050405020304" pitchFamily="18" charset="0"/>
               </a:rPr>
-              <a:t>INTRODUÇÃO</a:t>
+              <a:t>OBJETIVOS</a:t>
             </a:r>
             <a:endParaRPr lang="pt-BR" dirty="0">
               <a:latin typeface="Times New Roman" panose="02020603050405020304" pitchFamily="18" charset="0"/>
@@ -5890,13 +6502,11 @@
       </p:sp>
       <p:pic>
         <p:nvPicPr>
-          <p:cNvPr id="5" name="Espaço Reservado para Conteúdo 4"/>
+          <p:cNvPr id="4" name="Imagem 3"/>
           <p:cNvPicPr>
-            <a:picLocks noGrp="1" noChangeAspect="1"/>
+            <a:picLocks noChangeAspect="1"/>
           </p:cNvPicPr>
-          <p:nvPr>
-            <p:ph idx="1"/>
-          </p:nvPr>
+          <p:nvPr/>
         </p:nvPicPr>
         <p:blipFill>
           <a:blip r:embed="rId2">
@@ -5912,14 +6522,17 @@
         </p:blipFill>
         <p:spPr>
           <a:xfrm>
-            <a:off x="76202" y="76202"/>
+            <a:off x="65316" y="76202"/>
             <a:ext cx="1295400" cy="1171575"/>
           </a:xfrm>
+          <a:prstGeom prst="rect">
+            <a:avLst/>
+          </a:prstGeom>
         </p:spPr>
       </p:pic>
       <p:sp>
         <p:nvSpPr>
-          <p:cNvPr id="7" name="Espaço Reservado para Conteúdo 2"/>
+          <p:cNvPr id="5" name="Espaço Reservado para Conteúdo 2"/>
           <p:cNvSpPr txBox="1">
             <a:spLocks/>
           </p:cNvSpPr>
@@ -5927,7 +6540,7 @@
         </p:nvSpPr>
         <p:spPr>
           <a:xfrm>
-            <a:off x="1186543" y="2704011"/>
+            <a:off x="1097280" y="1845734"/>
             <a:ext cx="10058400" cy="4023360"/>
           </a:xfrm>
           <a:prstGeom prst="rect">
@@ -5935,7 +6548,7 @@
           </a:prstGeom>
         </p:spPr>
         <p:txBody>
-          <a:bodyPr vert="horz" lIns="0" tIns="45720" rIns="0" bIns="45720" rtlCol="0">
+          <a:bodyPr vert="horz" lIns="0" tIns="45720" rIns="0" bIns="45720" rtlCol="0" anchor="ctr">
             <a:normAutofit/>
           </a:bodyPr>
           <a:lstStyle>
@@ -6185,59 +6798,44 @@
             </a:lvl9pPr>
           </a:lstStyle>
           <a:p>
-            <a:pPr>
+            <a:pPr marL="0" indent="0" algn="just">
               <a:lnSpc>
-                <a:spcPct val="200000"/>
+                <a:spcPct val="150000"/>
               </a:lnSpc>
-              <a:buFont typeface="Wingdings" panose="05000000000000000000" pitchFamily="2" charset="2"/>
-              <a:buChar char="ü"/>
+              <a:buNone/>
             </a:pPr>
             <a:r>
               <a:rPr lang="pt-BR" dirty="0" smtClean="0">
                 <a:latin typeface="Times New Roman" panose="02020603050405020304" pitchFamily="18" charset="0"/>
                 <a:cs typeface="Times New Roman" panose="02020603050405020304" pitchFamily="18" charset="0"/>
               </a:rPr>
-              <a:t>Objetivos;</a:t>
-            </a:r>
-          </a:p>
-          <a:p>
-            <a:pPr>
-              <a:lnSpc>
-                <a:spcPct val="200000"/>
-              </a:lnSpc>
-              <a:buFont typeface="Wingdings" panose="05000000000000000000" pitchFamily="2" charset="2"/>
-              <a:buChar char="ü"/>
-            </a:pPr>
+              <a:t>Dar </a:t>
+            </a:r>
+            <a:r>
+              <a:rPr lang="pt-BR" dirty="0">
+                <a:latin typeface="Times New Roman" panose="02020603050405020304" pitchFamily="18" charset="0"/>
+                <a:cs typeface="Times New Roman" panose="02020603050405020304" pitchFamily="18" charset="0"/>
+              </a:rPr>
+              <a:t>oportunidade para as pessoas compartilharem suas receitas de forma colaborativa, desse modo os usuários poderão aprender a fazer novos tipos de receitas</a:t>
+            </a:r>
             <a:r>
               <a:rPr lang="pt-BR" dirty="0" smtClean="0">
                 <a:latin typeface="Times New Roman" panose="02020603050405020304" pitchFamily="18" charset="0"/>
                 <a:cs typeface="Times New Roman" panose="02020603050405020304" pitchFamily="18" charset="0"/>
               </a:rPr>
-              <a:t>Público alvo;</a:t>
-            </a:r>
-          </a:p>
-          <a:p>
-            <a:pPr>
-              <a:lnSpc>
-                <a:spcPct val="200000"/>
-              </a:lnSpc>
-              <a:buFont typeface="Wingdings" panose="05000000000000000000" pitchFamily="2" charset="2"/>
-              <a:buChar char="ü"/>
-            </a:pPr>
-            <a:r>
-              <a:rPr lang="pt-BR" dirty="0" smtClean="0">
-                <a:latin typeface="Times New Roman" panose="02020603050405020304" pitchFamily="18" charset="0"/>
-                <a:cs typeface="Times New Roman" panose="02020603050405020304" pitchFamily="18" charset="0"/>
-              </a:rPr>
-              <a:t>Privilégios de usuários cadastrados.</a:t>
-            </a:r>
+              <a:t>.</a:t>
+            </a:r>
+            <a:endParaRPr lang="pt-BR" dirty="0" smtClean="0">
+              <a:latin typeface="Times New Roman" panose="02020603050405020304" pitchFamily="18" charset="0"/>
+              <a:cs typeface="Times New Roman" panose="02020603050405020304" pitchFamily="18" charset="0"/>
+            </a:endParaRPr>
           </a:p>
         </p:txBody>
       </p:sp>
     </p:spTree>
     <p:extLst>
       <p:ext uri="{BB962C8B-B14F-4D97-AF65-F5344CB8AC3E}">
-        <p14:creationId xmlns:p14="http://schemas.microsoft.com/office/powerpoint/2010/main" val="699658444"/>
+        <p14:creationId xmlns:p14="http://schemas.microsoft.com/office/powerpoint/2010/main" val="1966201550"/>
       </p:ext>
     </p:extLst>
   </p:cSld>
@@ -6297,7 +6895,7 @@
                 <a:latin typeface="Times New Roman" panose="02020603050405020304" pitchFamily="18" charset="0"/>
                 <a:cs typeface="Times New Roman" panose="02020603050405020304" pitchFamily="18" charset="0"/>
               </a:rPr>
-              <a:t>Ferramentas</a:t>
+              <a:t>INTRODUÇÃO</a:t>
             </a:r>
             <a:endParaRPr lang="pt-BR" dirty="0">
               <a:latin typeface="Times New Roman" panose="02020603050405020304" pitchFamily="18" charset="0"/>
@@ -6335,100 +6933,311 @@
           </a:xfrm>
         </p:spPr>
       </p:pic>
-      <p:pic>
-        <p:nvPicPr>
-          <p:cNvPr id="3" name="Imagem 2"/>
-          <p:cNvPicPr>
-            <a:picLocks noChangeAspect="1"/>
-          </p:cNvPicPr>
+      <p:sp>
+        <p:nvSpPr>
+          <p:cNvPr id="7" name="Espaço Reservado para Conteúdo 2"/>
+          <p:cNvSpPr txBox="1">
+            <a:spLocks/>
+          </p:cNvSpPr>
           <p:nvPr/>
-        </p:nvPicPr>
-        <p:blipFill>
-          <a:blip r:embed="rId3">
-            <a:extLst>
-              <a:ext uri="{28A0092B-C50C-407E-A947-70E740481C1C}">
-                <a14:useLocalDpi xmlns:a14="http://schemas.microsoft.com/office/drawing/2010/main" val="0"/>
-              </a:ext>
-            </a:extLst>
-          </a:blip>
-          <a:stretch>
-            <a:fillRect/>
-          </a:stretch>
-        </p:blipFill>
-        <p:spPr>
-          <a:xfrm>
-            <a:off x="2000160" y="4875660"/>
-            <a:ext cx="8344078" cy="1526279"/>
+        </p:nvSpPr>
+        <p:spPr>
+          <a:xfrm>
+            <a:off x="1186543" y="1947761"/>
+            <a:ext cx="10058400" cy="4023360"/>
           </a:xfrm>
           <a:prstGeom prst="rect">
             <a:avLst/>
           </a:prstGeom>
         </p:spPr>
-      </p:pic>
-      <p:pic>
-        <p:nvPicPr>
-          <p:cNvPr id="4" name="Imagem 3"/>
-          <p:cNvPicPr>
-            <a:picLocks noChangeAspect="1"/>
-          </p:cNvPicPr>
-          <p:nvPr/>
-        </p:nvPicPr>
-        <p:blipFill>
-          <a:blip r:embed="rId4">
-            <a:extLst>
-              <a:ext uri="{28A0092B-C50C-407E-A947-70E740481C1C}">
-                <a14:useLocalDpi xmlns:a14="http://schemas.microsoft.com/office/drawing/2010/main" val="0"/>
-              </a:ext>
-            </a:extLst>
-          </a:blip>
-          <a:stretch>
-            <a:fillRect/>
-          </a:stretch>
-        </p:blipFill>
-        <p:spPr>
-          <a:xfrm>
-            <a:off x="2955646" y="2608457"/>
-            <a:ext cx="2700762" cy="1396105"/>
-          </a:xfrm>
-          <a:prstGeom prst="rect">
-            <a:avLst/>
-          </a:prstGeom>
-        </p:spPr>
-      </p:pic>
-      <p:pic>
-        <p:nvPicPr>
-          <p:cNvPr id="6" name="Imagem 5"/>
-          <p:cNvPicPr>
-            <a:picLocks noChangeAspect="1"/>
-          </p:cNvPicPr>
-          <p:nvPr/>
-        </p:nvPicPr>
-        <p:blipFill>
-          <a:blip r:embed="rId5">
-            <a:extLst>
-              <a:ext uri="{28A0092B-C50C-407E-A947-70E740481C1C}">
-                <a14:useLocalDpi xmlns:a14="http://schemas.microsoft.com/office/drawing/2010/main" val="0"/>
-              </a:ext>
-            </a:extLst>
-          </a:blip>
-          <a:stretch>
-            <a:fillRect/>
-          </a:stretch>
-        </p:blipFill>
-        <p:spPr>
-          <a:xfrm>
-            <a:off x="6940922" y="2301430"/>
-            <a:ext cx="2227659" cy="2227659"/>
-          </a:xfrm>
-          <a:prstGeom prst="rect">
-            <a:avLst/>
-          </a:prstGeom>
-        </p:spPr>
-      </p:pic>
+        <p:txBody>
+          <a:bodyPr vert="horz" lIns="0" tIns="45720" rIns="0" bIns="45720" rtlCol="0" anchor="ctr">
+            <a:normAutofit/>
+          </a:bodyPr>
+          <a:lstStyle>
+            <a:lvl1pPr marL="91440" indent="-91440" algn="l" defTabSz="914400" rtl="0" eaLnBrk="1" latinLnBrk="0" hangingPunct="1">
+              <a:lnSpc>
+                <a:spcPct val="90000"/>
+              </a:lnSpc>
+              <a:spcBef>
+                <a:spcPts val="1200"/>
+              </a:spcBef>
+              <a:spcAft>
+                <a:spcPts val="200"/>
+              </a:spcAft>
+              <a:buClr>
+                <a:schemeClr val="accent1"/>
+              </a:buClr>
+              <a:buSzPct val="100000"/>
+              <a:buFont typeface="Calibri" panose="020F0502020204030204" pitchFamily="34" charset="0"/>
+              <a:buChar char=" "/>
+              <a:defRPr sz="2000" kern="1200">
+                <a:solidFill>
+                  <a:schemeClr val="tx1">
+                    <a:lumMod val="75000"/>
+                    <a:lumOff val="25000"/>
+                  </a:schemeClr>
+                </a:solidFill>
+                <a:latin typeface="+mn-lt"/>
+                <a:ea typeface="+mn-ea"/>
+                <a:cs typeface="+mn-cs"/>
+              </a:defRPr>
+            </a:lvl1pPr>
+            <a:lvl2pPr marL="384048" indent="-182880" algn="l" defTabSz="914400" rtl="0" eaLnBrk="1" latinLnBrk="0" hangingPunct="1">
+              <a:lnSpc>
+                <a:spcPct val="90000"/>
+              </a:lnSpc>
+              <a:spcBef>
+                <a:spcPts val="200"/>
+              </a:spcBef>
+              <a:spcAft>
+                <a:spcPts val="400"/>
+              </a:spcAft>
+              <a:buClr>
+                <a:schemeClr val="accent1"/>
+              </a:buClr>
+              <a:buFont typeface="Calibri" pitchFamily="34" charset="0"/>
+              <a:buChar char="◦"/>
+              <a:defRPr sz="1800" kern="1200">
+                <a:solidFill>
+                  <a:schemeClr val="tx1">
+                    <a:lumMod val="75000"/>
+                    <a:lumOff val="25000"/>
+                  </a:schemeClr>
+                </a:solidFill>
+                <a:latin typeface="+mn-lt"/>
+                <a:ea typeface="+mn-ea"/>
+                <a:cs typeface="+mn-cs"/>
+              </a:defRPr>
+            </a:lvl2pPr>
+            <a:lvl3pPr marL="566928" indent="-182880" algn="l" defTabSz="914400" rtl="0" eaLnBrk="1" latinLnBrk="0" hangingPunct="1">
+              <a:lnSpc>
+                <a:spcPct val="90000"/>
+              </a:lnSpc>
+              <a:spcBef>
+                <a:spcPts val="200"/>
+              </a:spcBef>
+              <a:spcAft>
+                <a:spcPts val="400"/>
+              </a:spcAft>
+              <a:buClr>
+                <a:schemeClr val="accent1"/>
+              </a:buClr>
+              <a:buFont typeface="Calibri" pitchFamily="34" charset="0"/>
+              <a:buChar char="◦"/>
+              <a:defRPr sz="1400" kern="1200">
+                <a:solidFill>
+                  <a:schemeClr val="tx1">
+                    <a:lumMod val="75000"/>
+                    <a:lumOff val="25000"/>
+                  </a:schemeClr>
+                </a:solidFill>
+                <a:latin typeface="+mn-lt"/>
+                <a:ea typeface="+mn-ea"/>
+                <a:cs typeface="+mn-cs"/>
+              </a:defRPr>
+            </a:lvl3pPr>
+            <a:lvl4pPr marL="749808" indent="-182880" algn="l" defTabSz="914400" rtl="0" eaLnBrk="1" latinLnBrk="0" hangingPunct="1">
+              <a:lnSpc>
+                <a:spcPct val="90000"/>
+              </a:lnSpc>
+              <a:spcBef>
+                <a:spcPts val="200"/>
+              </a:spcBef>
+              <a:spcAft>
+                <a:spcPts val="400"/>
+              </a:spcAft>
+              <a:buClr>
+                <a:schemeClr val="accent1"/>
+              </a:buClr>
+              <a:buFont typeface="Calibri" pitchFamily="34" charset="0"/>
+              <a:buChar char="◦"/>
+              <a:defRPr sz="1400" kern="1200">
+                <a:solidFill>
+                  <a:schemeClr val="tx1">
+                    <a:lumMod val="75000"/>
+                    <a:lumOff val="25000"/>
+                  </a:schemeClr>
+                </a:solidFill>
+                <a:latin typeface="+mn-lt"/>
+                <a:ea typeface="+mn-ea"/>
+                <a:cs typeface="+mn-cs"/>
+              </a:defRPr>
+            </a:lvl4pPr>
+            <a:lvl5pPr marL="932688" indent="-182880" algn="l" defTabSz="914400" rtl="0" eaLnBrk="1" latinLnBrk="0" hangingPunct="1">
+              <a:lnSpc>
+                <a:spcPct val="90000"/>
+              </a:lnSpc>
+              <a:spcBef>
+                <a:spcPts val="200"/>
+              </a:spcBef>
+              <a:spcAft>
+                <a:spcPts val="400"/>
+              </a:spcAft>
+              <a:buClr>
+                <a:schemeClr val="accent1"/>
+              </a:buClr>
+              <a:buFont typeface="Calibri" pitchFamily="34" charset="0"/>
+              <a:buChar char="◦"/>
+              <a:defRPr sz="1400" kern="1200">
+                <a:solidFill>
+                  <a:schemeClr val="tx1">
+                    <a:lumMod val="75000"/>
+                    <a:lumOff val="25000"/>
+                  </a:schemeClr>
+                </a:solidFill>
+                <a:latin typeface="+mn-lt"/>
+                <a:ea typeface="+mn-ea"/>
+                <a:cs typeface="+mn-cs"/>
+              </a:defRPr>
+            </a:lvl5pPr>
+            <a:lvl6pPr marL="1100000" indent="-228600" algn="l" defTabSz="914400" rtl="0" eaLnBrk="1" latinLnBrk="0" hangingPunct="1">
+              <a:lnSpc>
+                <a:spcPct val="90000"/>
+              </a:lnSpc>
+              <a:spcBef>
+                <a:spcPts val="200"/>
+              </a:spcBef>
+              <a:spcAft>
+                <a:spcPts val="400"/>
+              </a:spcAft>
+              <a:buClr>
+                <a:schemeClr val="accent1"/>
+              </a:buClr>
+              <a:buFont typeface="Calibri" pitchFamily="34" charset="0"/>
+              <a:buChar char="◦"/>
+              <a:defRPr sz="1400" kern="1200">
+                <a:solidFill>
+                  <a:schemeClr val="tx1">
+                    <a:lumMod val="75000"/>
+                    <a:lumOff val="25000"/>
+                  </a:schemeClr>
+                </a:solidFill>
+                <a:latin typeface="+mn-lt"/>
+                <a:ea typeface="+mn-ea"/>
+                <a:cs typeface="+mn-cs"/>
+              </a:defRPr>
+            </a:lvl6pPr>
+            <a:lvl7pPr marL="1300000" indent="-228600" algn="l" defTabSz="914400" rtl="0" eaLnBrk="1" latinLnBrk="0" hangingPunct="1">
+              <a:lnSpc>
+                <a:spcPct val="90000"/>
+              </a:lnSpc>
+              <a:spcBef>
+                <a:spcPts val="200"/>
+              </a:spcBef>
+              <a:spcAft>
+                <a:spcPts val="400"/>
+              </a:spcAft>
+              <a:buClr>
+                <a:schemeClr val="accent1"/>
+              </a:buClr>
+              <a:buFont typeface="Calibri" pitchFamily="34" charset="0"/>
+              <a:buChar char="◦"/>
+              <a:defRPr sz="1400" kern="1200">
+                <a:solidFill>
+                  <a:schemeClr val="tx1">
+                    <a:lumMod val="75000"/>
+                    <a:lumOff val="25000"/>
+                  </a:schemeClr>
+                </a:solidFill>
+                <a:latin typeface="+mn-lt"/>
+                <a:ea typeface="+mn-ea"/>
+                <a:cs typeface="+mn-cs"/>
+              </a:defRPr>
+            </a:lvl7pPr>
+            <a:lvl8pPr marL="1500000" indent="-228600" algn="l" defTabSz="914400" rtl="0" eaLnBrk="1" latinLnBrk="0" hangingPunct="1">
+              <a:lnSpc>
+                <a:spcPct val="90000"/>
+              </a:lnSpc>
+              <a:spcBef>
+                <a:spcPts val="200"/>
+              </a:spcBef>
+              <a:spcAft>
+                <a:spcPts val="400"/>
+              </a:spcAft>
+              <a:buClr>
+                <a:schemeClr val="accent1"/>
+              </a:buClr>
+              <a:buFont typeface="Calibri" pitchFamily="34" charset="0"/>
+              <a:buChar char="◦"/>
+              <a:defRPr sz="1400" kern="1200">
+                <a:solidFill>
+                  <a:schemeClr val="tx1">
+                    <a:lumMod val="75000"/>
+                    <a:lumOff val="25000"/>
+                  </a:schemeClr>
+                </a:solidFill>
+                <a:latin typeface="+mn-lt"/>
+                <a:ea typeface="+mn-ea"/>
+                <a:cs typeface="+mn-cs"/>
+              </a:defRPr>
+            </a:lvl8pPr>
+            <a:lvl9pPr marL="1700000" indent="-228600" algn="l" defTabSz="914400" rtl="0" eaLnBrk="1" latinLnBrk="0" hangingPunct="1">
+              <a:lnSpc>
+                <a:spcPct val="90000"/>
+              </a:lnSpc>
+              <a:spcBef>
+                <a:spcPts val="200"/>
+              </a:spcBef>
+              <a:spcAft>
+                <a:spcPts val="400"/>
+              </a:spcAft>
+              <a:buClr>
+                <a:schemeClr val="accent1"/>
+              </a:buClr>
+              <a:buFont typeface="Calibri" pitchFamily="34" charset="0"/>
+              <a:buChar char="◦"/>
+              <a:defRPr sz="1400" kern="1200">
+                <a:solidFill>
+                  <a:schemeClr val="tx1">
+                    <a:lumMod val="75000"/>
+                    <a:lumOff val="25000"/>
+                  </a:schemeClr>
+                </a:solidFill>
+                <a:latin typeface="+mn-lt"/>
+                <a:ea typeface="+mn-ea"/>
+                <a:cs typeface="+mn-cs"/>
+              </a:defRPr>
+            </a:lvl9pPr>
+          </a:lstStyle>
+          <a:p>
+            <a:pPr>
+              <a:lnSpc>
+                <a:spcPct val="200000"/>
+              </a:lnSpc>
+              <a:buFont typeface="Wingdings" panose="05000000000000000000" pitchFamily="2" charset="2"/>
+              <a:buChar char="ü"/>
+            </a:pPr>
+            <a:r>
+              <a:rPr lang="pt-BR" dirty="0" smtClean="0">
+                <a:latin typeface="Times New Roman" panose="02020603050405020304" pitchFamily="18" charset="0"/>
+                <a:cs typeface="Times New Roman" panose="02020603050405020304" pitchFamily="18" charset="0"/>
+              </a:rPr>
+              <a:t>Público alvo;</a:t>
+            </a:r>
+          </a:p>
+          <a:p>
+            <a:pPr>
+              <a:lnSpc>
+                <a:spcPct val="200000"/>
+              </a:lnSpc>
+              <a:buFont typeface="Wingdings" panose="05000000000000000000" pitchFamily="2" charset="2"/>
+              <a:buChar char="ü"/>
+            </a:pPr>
+            <a:r>
+              <a:rPr lang="pt-BR" dirty="0" smtClean="0">
+                <a:latin typeface="Times New Roman" panose="02020603050405020304" pitchFamily="18" charset="0"/>
+                <a:cs typeface="Times New Roman" panose="02020603050405020304" pitchFamily="18" charset="0"/>
+              </a:rPr>
+              <a:t>Privilégios de usuários cadastrados.</a:t>
+            </a:r>
+          </a:p>
+        </p:txBody>
+      </p:sp>
     </p:spTree>
     <p:extLst>
       <p:ext uri="{BB962C8B-B14F-4D97-AF65-F5344CB8AC3E}">
-        <p14:creationId xmlns:p14="http://schemas.microsoft.com/office/powerpoint/2010/main" val="1040762140"/>
+        <p14:creationId xmlns:p14="http://schemas.microsoft.com/office/powerpoint/2010/main" val="699658444"/>
       </p:ext>
     </p:extLst>
   </p:cSld>
@@ -6488,7 +7297,7 @@
                 <a:latin typeface="Times New Roman" panose="02020603050405020304" pitchFamily="18" charset="0"/>
                 <a:cs typeface="Times New Roman" panose="02020603050405020304" pitchFamily="18" charset="0"/>
               </a:rPr>
-              <a:t>Linguagens</a:t>
+              <a:t>FERRAMENTAS</a:t>
             </a:r>
             <a:endParaRPr lang="pt-BR" dirty="0">
               <a:latin typeface="Times New Roman" panose="02020603050405020304" pitchFamily="18" charset="0"/>
@@ -6528,7 +7337,7 @@
       </p:pic>
       <p:pic>
         <p:nvPicPr>
-          <p:cNvPr id="11" name="Imagem 10"/>
+          <p:cNvPr id="3" name="Imagem 2"/>
           <p:cNvPicPr>
             <a:picLocks noChangeAspect="1"/>
           </p:cNvPicPr>
@@ -6548,8 +7357,8 @@
         </p:blipFill>
         <p:spPr>
           <a:xfrm>
-            <a:off x="1186543" y="1947761"/>
-            <a:ext cx="2316678" cy="3247680"/>
+            <a:off x="2000160" y="4875660"/>
+            <a:ext cx="8344078" cy="1526279"/>
           </a:xfrm>
           <a:prstGeom prst="rect">
             <a:avLst/>
@@ -6558,7 +7367,7 @@
       </p:pic>
       <p:pic>
         <p:nvPicPr>
-          <p:cNvPr id="12" name="Imagem 11"/>
+          <p:cNvPr id="4" name="Imagem 3"/>
           <p:cNvPicPr>
             <a:picLocks noChangeAspect="1"/>
           </p:cNvPicPr>
@@ -6578,8 +7387,8 @@
         </p:blipFill>
         <p:spPr>
           <a:xfrm>
-            <a:off x="3969538" y="3206288"/>
-            <a:ext cx="2812968" cy="2812968"/>
+            <a:off x="2955646" y="2608457"/>
+            <a:ext cx="2700762" cy="1396105"/>
           </a:xfrm>
           <a:prstGeom prst="rect">
             <a:avLst/>
@@ -6588,7 +7397,7 @@
       </p:pic>
       <p:pic>
         <p:nvPicPr>
-          <p:cNvPr id="13" name="Imagem 12"/>
+          <p:cNvPr id="6" name="Imagem 5"/>
           <p:cNvPicPr>
             <a:picLocks noChangeAspect="1"/>
           </p:cNvPicPr>
@@ -6608,38 +7417,8 @@
         </p:blipFill>
         <p:spPr>
           <a:xfrm>
-            <a:off x="6393070" y="1947761"/>
-            <a:ext cx="2399166" cy="2407190"/>
-          </a:xfrm>
-          <a:prstGeom prst="rect">
-            <a:avLst/>
-          </a:prstGeom>
-        </p:spPr>
-      </p:pic>
-      <p:pic>
-        <p:nvPicPr>
-          <p:cNvPr id="14" name="Imagem 13"/>
-          <p:cNvPicPr>
-            <a:picLocks noChangeAspect="1"/>
-          </p:cNvPicPr>
-          <p:nvPr/>
-        </p:nvPicPr>
-        <p:blipFill>
-          <a:blip r:embed="rId6">
-            <a:extLst>
-              <a:ext uri="{28A0092B-C50C-407E-A947-70E740481C1C}">
-                <a14:useLocalDpi xmlns:a14="http://schemas.microsoft.com/office/drawing/2010/main" val="0"/>
-              </a:ext>
-            </a:extLst>
-          </a:blip>
-          <a:stretch>
-            <a:fillRect/>
-          </a:stretch>
-        </p:blipFill>
-        <p:spPr>
-          <a:xfrm>
-            <a:off x="7996589" y="4063009"/>
-            <a:ext cx="4060288" cy="2152075"/>
+            <a:off x="6940922" y="2301430"/>
+            <a:ext cx="2227659" cy="2227659"/>
           </a:xfrm>
           <a:prstGeom prst="rect">
             <a:avLst/>
@@ -6649,7 +7428,7 @@
     </p:spTree>
     <p:extLst>
       <p:ext uri="{BB962C8B-B14F-4D97-AF65-F5344CB8AC3E}">
-        <p14:creationId xmlns:p14="http://schemas.microsoft.com/office/powerpoint/2010/main" val="2689051601"/>
+        <p14:creationId xmlns:p14="http://schemas.microsoft.com/office/powerpoint/2010/main" val="1040762140"/>
       </p:ext>
     </p:extLst>
   </p:cSld>
@@ -6709,7 +7488,7 @@
                 <a:latin typeface="Times New Roman" panose="02020603050405020304" pitchFamily="18" charset="0"/>
                 <a:cs typeface="Times New Roman" panose="02020603050405020304" pitchFamily="18" charset="0"/>
               </a:rPr>
-              <a:t>MER</a:t>
+              <a:t>LINGUAGENS</a:t>
             </a:r>
             <a:endParaRPr lang="pt-BR" dirty="0">
               <a:latin typeface="Times New Roman" panose="02020603050405020304" pitchFamily="18" charset="0"/>
@@ -6749,7 +7528,7 @@
       </p:pic>
       <p:pic>
         <p:nvPicPr>
-          <p:cNvPr id="3" name="Imagem 2"/>
+          <p:cNvPr id="11" name="Imagem 10"/>
           <p:cNvPicPr>
             <a:picLocks noChangeAspect="1"/>
           </p:cNvPicPr>
@@ -6769,8 +7548,98 @@
         </p:blipFill>
         <p:spPr>
           <a:xfrm>
-            <a:off x="1186543" y="2363190"/>
-            <a:ext cx="9971313" cy="2899008"/>
+            <a:off x="1186543" y="1947761"/>
+            <a:ext cx="2316678" cy="3247680"/>
+          </a:xfrm>
+          <a:prstGeom prst="rect">
+            <a:avLst/>
+          </a:prstGeom>
+        </p:spPr>
+      </p:pic>
+      <p:pic>
+        <p:nvPicPr>
+          <p:cNvPr id="12" name="Imagem 11"/>
+          <p:cNvPicPr>
+            <a:picLocks noChangeAspect="1"/>
+          </p:cNvPicPr>
+          <p:nvPr/>
+        </p:nvPicPr>
+        <p:blipFill>
+          <a:blip r:embed="rId4">
+            <a:extLst>
+              <a:ext uri="{28A0092B-C50C-407E-A947-70E740481C1C}">
+                <a14:useLocalDpi xmlns:a14="http://schemas.microsoft.com/office/drawing/2010/main" val="0"/>
+              </a:ext>
+            </a:extLst>
+          </a:blip>
+          <a:stretch>
+            <a:fillRect/>
+          </a:stretch>
+        </p:blipFill>
+        <p:spPr>
+          <a:xfrm>
+            <a:off x="3969538" y="3206288"/>
+            <a:ext cx="2812968" cy="2812968"/>
+          </a:xfrm>
+          <a:prstGeom prst="rect">
+            <a:avLst/>
+          </a:prstGeom>
+        </p:spPr>
+      </p:pic>
+      <p:pic>
+        <p:nvPicPr>
+          <p:cNvPr id="13" name="Imagem 12"/>
+          <p:cNvPicPr>
+            <a:picLocks noChangeAspect="1"/>
+          </p:cNvPicPr>
+          <p:nvPr/>
+        </p:nvPicPr>
+        <p:blipFill>
+          <a:blip r:embed="rId5">
+            <a:extLst>
+              <a:ext uri="{28A0092B-C50C-407E-A947-70E740481C1C}">
+                <a14:useLocalDpi xmlns:a14="http://schemas.microsoft.com/office/drawing/2010/main" val="0"/>
+              </a:ext>
+            </a:extLst>
+          </a:blip>
+          <a:stretch>
+            <a:fillRect/>
+          </a:stretch>
+        </p:blipFill>
+        <p:spPr>
+          <a:xfrm>
+            <a:off x="6393070" y="1947761"/>
+            <a:ext cx="2399166" cy="2407190"/>
+          </a:xfrm>
+          <a:prstGeom prst="rect">
+            <a:avLst/>
+          </a:prstGeom>
+        </p:spPr>
+      </p:pic>
+      <p:pic>
+        <p:nvPicPr>
+          <p:cNvPr id="14" name="Imagem 13"/>
+          <p:cNvPicPr>
+            <a:picLocks noChangeAspect="1"/>
+          </p:cNvPicPr>
+          <p:nvPr/>
+        </p:nvPicPr>
+        <p:blipFill>
+          <a:blip r:embed="rId6">
+            <a:extLst>
+              <a:ext uri="{28A0092B-C50C-407E-A947-70E740481C1C}">
+                <a14:useLocalDpi xmlns:a14="http://schemas.microsoft.com/office/drawing/2010/main" val="0"/>
+              </a:ext>
+            </a:extLst>
+          </a:blip>
+          <a:stretch>
+            <a:fillRect/>
+          </a:stretch>
+        </p:blipFill>
+        <p:spPr>
+          <a:xfrm>
+            <a:off x="7996589" y="4063009"/>
+            <a:ext cx="4060288" cy="2152075"/>
           </a:xfrm>
           <a:prstGeom prst="rect">
             <a:avLst/>
@@ -6780,7 +7649,7 @@
     </p:spTree>
     <p:extLst>
       <p:ext uri="{BB962C8B-B14F-4D97-AF65-F5344CB8AC3E}">
-        <p14:creationId xmlns:p14="http://schemas.microsoft.com/office/powerpoint/2010/main" val="3421382171"/>
+        <p14:creationId xmlns:p14="http://schemas.microsoft.com/office/powerpoint/2010/main" val="2689051601"/>
       </p:ext>
     </p:extLst>
   </p:cSld>
@@ -6840,7 +7709,7 @@
                 <a:latin typeface="Times New Roman" panose="02020603050405020304" pitchFamily="18" charset="0"/>
                 <a:cs typeface="Times New Roman" panose="02020603050405020304" pitchFamily="18" charset="0"/>
               </a:rPr>
-              <a:t>Diagrama de classe</a:t>
+              <a:t>REQUISITOS</a:t>
             </a:r>
             <a:endParaRPr lang="pt-BR" dirty="0">
               <a:latin typeface="Times New Roman" panose="02020603050405020304" pitchFamily="18" charset="0"/>
@@ -6878,40 +7747,469 @@
           </a:xfrm>
         </p:spPr>
       </p:pic>
-      <p:pic>
-        <p:nvPicPr>
-          <p:cNvPr id="4" name="Imagem 3"/>
-          <p:cNvPicPr>
-            <a:picLocks noChangeAspect="1"/>
-          </p:cNvPicPr>
+      <p:sp>
+        <p:nvSpPr>
+          <p:cNvPr id="4" name="Espaço Reservado para Conteúdo 2"/>
+          <p:cNvSpPr txBox="1">
+            <a:spLocks/>
+          </p:cNvSpPr>
           <p:nvPr/>
-        </p:nvPicPr>
-        <p:blipFill>
-          <a:blip r:embed="rId3">
-            <a:extLst>
-              <a:ext uri="{28A0092B-C50C-407E-A947-70E740481C1C}">
-                <a14:useLocalDpi xmlns:a14="http://schemas.microsoft.com/office/drawing/2010/main" val="0"/>
-              </a:ext>
-            </a:extLst>
-          </a:blip>
-          <a:stretch>
-            <a:fillRect/>
-          </a:stretch>
-        </p:blipFill>
-        <p:spPr>
-          <a:xfrm>
-            <a:off x="1104005" y="2220685"/>
-            <a:ext cx="10136388" cy="3835730"/>
+        </p:nvSpPr>
+        <p:spPr>
+          <a:xfrm>
+            <a:off x="1186543" y="1947761"/>
+            <a:ext cx="10058400" cy="4023360"/>
           </a:xfrm>
           <a:prstGeom prst="rect">
             <a:avLst/>
           </a:prstGeom>
         </p:spPr>
-      </p:pic>
+        <p:txBody>
+          <a:bodyPr vert="horz" lIns="0" tIns="45720" rIns="0" bIns="45720" rtlCol="0" anchor="ctr">
+            <a:normAutofit lnSpcReduction="10000"/>
+          </a:bodyPr>
+          <a:lstStyle>
+            <a:lvl1pPr marL="91440" indent="-91440" algn="l" defTabSz="914400" rtl="0" eaLnBrk="1" latinLnBrk="0" hangingPunct="1">
+              <a:lnSpc>
+                <a:spcPct val="90000"/>
+              </a:lnSpc>
+              <a:spcBef>
+                <a:spcPts val="1200"/>
+              </a:spcBef>
+              <a:spcAft>
+                <a:spcPts val="200"/>
+              </a:spcAft>
+              <a:buClr>
+                <a:schemeClr val="accent1"/>
+              </a:buClr>
+              <a:buSzPct val="100000"/>
+              <a:buFont typeface="Calibri" panose="020F0502020204030204" pitchFamily="34" charset="0"/>
+              <a:buChar char=" "/>
+              <a:defRPr sz="2000" kern="1200">
+                <a:solidFill>
+                  <a:schemeClr val="tx1">
+                    <a:lumMod val="75000"/>
+                    <a:lumOff val="25000"/>
+                  </a:schemeClr>
+                </a:solidFill>
+                <a:latin typeface="+mn-lt"/>
+                <a:ea typeface="+mn-ea"/>
+                <a:cs typeface="+mn-cs"/>
+              </a:defRPr>
+            </a:lvl1pPr>
+            <a:lvl2pPr marL="384048" indent="-182880" algn="l" defTabSz="914400" rtl="0" eaLnBrk="1" latinLnBrk="0" hangingPunct="1">
+              <a:lnSpc>
+                <a:spcPct val="90000"/>
+              </a:lnSpc>
+              <a:spcBef>
+                <a:spcPts val="200"/>
+              </a:spcBef>
+              <a:spcAft>
+                <a:spcPts val="400"/>
+              </a:spcAft>
+              <a:buClr>
+                <a:schemeClr val="accent1"/>
+              </a:buClr>
+              <a:buFont typeface="Calibri" pitchFamily="34" charset="0"/>
+              <a:buChar char="◦"/>
+              <a:defRPr sz="1800" kern="1200">
+                <a:solidFill>
+                  <a:schemeClr val="tx1">
+                    <a:lumMod val="75000"/>
+                    <a:lumOff val="25000"/>
+                  </a:schemeClr>
+                </a:solidFill>
+                <a:latin typeface="+mn-lt"/>
+                <a:ea typeface="+mn-ea"/>
+                <a:cs typeface="+mn-cs"/>
+              </a:defRPr>
+            </a:lvl2pPr>
+            <a:lvl3pPr marL="566928" indent="-182880" algn="l" defTabSz="914400" rtl="0" eaLnBrk="1" latinLnBrk="0" hangingPunct="1">
+              <a:lnSpc>
+                <a:spcPct val="90000"/>
+              </a:lnSpc>
+              <a:spcBef>
+                <a:spcPts val="200"/>
+              </a:spcBef>
+              <a:spcAft>
+                <a:spcPts val="400"/>
+              </a:spcAft>
+              <a:buClr>
+                <a:schemeClr val="accent1"/>
+              </a:buClr>
+              <a:buFont typeface="Calibri" pitchFamily="34" charset="0"/>
+              <a:buChar char="◦"/>
+              <a:defRPr sz="1400" kern="1200">
+                <a:solidFill>
+                  <a:schemeClr val="tx1">
+                    <a:lumMod val="75000"/>
+                    <a:lumOff val="25000"/>
+                  </a:schemeClr>
+                </a:solidFill>
+                <a:latin typeface="+mn-lt"/>
+                <a:ea typeface="+mn-ea"/>
+                <a:cs typeface="+mn-cs"/>
+              </a:defRPr>
+            </a:lvl3pPr>
+            <a:lvl4pPr marL="749808" indent="-182880" algn="l" defTabSz="914400" rtl="0" eaLnBrk="1" latinLnBrk="0" hangingPunct="1">
+              <a:lnSpc>
+                <a:spcPct val="90000"/>
+              </a:lnSpc>
+              <a:spcBef>
+                <a:spcPts val="200"/>
+              </a:spcBef>
+              <a:spcAft>
+                <a:spcPts val="400"/>
+              </a:spcAft>
+              <a:buClr>
+                <a:schemeClr val="accent1"/>
+              </a:buClr>
+              <a:buFont typeface="Calibri" pitchFamily="34" charset="0"/>
+              <a:buChar char="◦"/>
+              <a:defRPr sz="1400" kern="1200">
+                <a:solidFill>
+                  <a:schemeClr val="tx1">
+                    <a:lumMod val="75000"/>
+                    <a:lumOff val="25000"/>
+                  </a:schemeClr>
+                </a:solidFill>
+                <a:latin typeface="+mn-lt"/>
+                <a:ea typeface="+mn-ea"/>
+                <a:cs typeface="+mn-cs"/>
+              </a:defRPr>
+            </a:lvl4pPr>
+            <a:lvl5pPr marL="932688" indent="-182880" algn="l" defTabSz="914400" rtl="0" eaLnBrk="1" latinLnBrk="0" hangingPunct="1">
+              <a:lnSpc>
+                <a:spcPct val="90000"/>
+              </a:lnSpc>
+              <a:spcBef>
+                <a:spcPts val="200"/>
+              </a:spcBef>
+              <a:spcAft>
+                <a:spcPts val="400"/>
+              </a:spcAft>
+              <a:buClr>
+                <a:schemeClr val="accent1"/>
+              </a:buClr>
+              <a:buFont typeface="Calibri" pitchFamily="34" charset="0"/>
+              <a:buChar char="◦"/>
+              <a:defRPr sz="1400" kern="1200">
+                <a:solidFill>
+                  <a:schemeClr val="tx1">
+                    <a:lumMod val="75000"/>
+                    <a:lumOff val="25000"/>
+                  </a:schemeClr>
+                </a:solidFill>
+                <a:latin typeface="+mn-lt"/>
+                <a:ea typeface="+mn-ea"/>
+                <a:cs typeface="+mn-cs"/>
+              </a:defRPr>
+            </a:lvl5pPr>
+            <a:lvl6pPr marL="1100000" indent="-228600" algn="l" defTabSz="914400" rtl="0" eaLnBrk="1" latinLnBrk="0" hangingPunct="1">
+              <a:lnSpc>
+                <a:spcPct val="90000"/>
+              </a:lnSpc>
+              <a:spcBef>
+                <a:spcPts val="200"/>
+              </a:spcBef>
+              <a:spcAft>
+                <a:spcPts val="400"/>
+              </a:spcAft>
+              <a:buClr>
+                <a:schemeClr val="accent1"/>
+              </a:buClr>
+              <a:buFont typeface="Calibri" pitchFamily="34" charset="0"/>
+              <a:buChar char="◦"/>
+              <a:defRPr sz="1400" kern="1200">
+                <a:solidFill>
+                  <a:schemeClr val="tx1">
+                    <a:lumMod val="75000"/>
+                    <a:lumOff val="25000"/>
+                  </a:schemeClr>
+                </a:solidFill>
+                <a:latin typeface="+mn-lt"/>
+                <a:ea typeface="+mn-ea"/>
+                <a:cs typeface="+mn-cs"/>
+              </a:defRPr>
+            </a:lvl6pPr>
+            <a:lvl7pPr marL="1300000" indent="-228600" algn="l" defTabSz="914400" rtl="0" eaLnBrk="1" latinLnBrk="0" hangingPunct="1">
+              <a:lnSpc>
+                <a:spcPct val="90000"/>
+              </a:lnSpc>
+              <a:spcBef>
+                <a:spcPts val="200"/>
+              </a:spcBef>
+              <a:spcAft>
+                <a:spcPts val="400"/>
+              </a:spcAft>
+              <a:buClr>
+                <a:schemeClr val="accent1"/>
+              </a:buClr>
+              <a:buFont typeface="Calibri" pitchFamily="34" charset="0"/>
+              <a:buChar char="◦"/>
+              <a:defRPr sz="1400" kern="1200">
+                <a:solidFill>
+                  <a:schemeClr val="tx1">
+                    <a:lumMod val="75000"/>
+                    <a:lumOff val="25000"/>
+                  </a:schemeClr>
+                </a:solidFill>
+                <a:latin typeface="+mn-lt"/>
+                <a:ea typeface="+mn-ea"/>
+                <a:cs typeface="+mn-cs"/>
+              </a:defRPr>
+            </a:lvl7pPr>
+            <a:lvl8pPr marL="1500000" indent="-228600" algn="l" defTabSz="914400" rtl="0" eaLnBrk="1" latinLnBrk="0" hangingPunct="1">
+              <a:lnSpc>
+                <a:spcPct val="90000"/>
+              </a:lnSpc>
+              <a:spcBef>
+                <a:spcPts val="200"/>
+              </a:spcBef>
+              <a:spcAft>
+                <a:spcPts val="400"/>
+              </a:spcAft>
+              <a:buClr>
+                <a:schemeClr val="accent1"/>
+              </a:buClr>
+              <a:buFont typeface="Calibri" pitchFamily="34" charset="0"/>
+              <a:buChar char="◦"/>
+              <a:defRPr sz="1400" kern="1200">
+                <a:solidFill>
+                  <a:schemeClr val="tx1">
+                    <a:lumMod val="75000"/>
+                    <a:lumOff val="25000"/>
+                  </a:schemeClr>
+                </a:solidFill>
+                <a:latin typeface="+mn-lt"/>
+                <a:ea typeface="+mn-ea"/>
+                <a:cs typeface="+mn-cs"/>
+              </a:defRPr>
+            </a:lvl8pPr>
+            <a:lvl9pPr marL="1700000" indent="-228600" algn="l" defTabSz="914400" rtl="0" eaLnBrk="1" latinLnBrk="0" hangingPunct="1">
+              <a:lnSpc>
+                <a:spcPct val="90000"/>
+              </a:lnSpc>
+              <a:spcBef>
+                <a:spcPts val="200"/>
+              </a:spcBef>
+              <a:spcAft>
+                <a:spcPts val="400"/>
+              </a:spcAft>
+              <a:buClr>
+                <a:schemeClr val="accent1"/>
+              </a:buClr>
+              <a:buFont typeface="Calibri" pitchFamily="34" charset="0"/>
+              <a:buChar char="◦"/>
+              <a:defRPr sz="1400" kern="1200">
+                <a:solidFill>
+                  <a:schemeClr val="tx1">
+                    <a:lumMod val="75000"/>
+                    <a:lumOff val="25000"/>
+                  </a:schemeClr>
+                </a:solidFill>
+                <a:latin typeface="+mn-lt"/>
+                <a:ea typeface="+mn-ea"/>
+                <a:cs typeface="+mn-cs"/>
+              </a:defRPr>
+            </a:lvl9pPr>
+          </a:lstStyle>
+          <a:p>
+            <a:pPr>
+              <a:lnSpc>
+                <a:spcPct val="100000"/>
+              </a:lnSpc>
+              <a:buFont typeface="Wingdings" panose="05000000000000000000" pitchFamily="2" charset="2"/>
+              <a:buChar char="ü"/>
+            </a:pPr>
+            <a:r>
+              <a:rPr lang="pt-BR" dirty="0">
+                <a:latin typeface="Times New Roman" panose="02020603050405020304" pitchFamily="18" charset="0"/>
+                <a:cs typeface="Times New Roman" panose="02020603050405020304" pitchFamily="18" charset="0"/>
+              </a:rPr>
+              <a:t>RF001: O sistema deve manter usuários. </a:t>
+            </a:r>
+            <a:endParaRPr lang="pt-BR" dirty="0" smtClean="0">
+              <a:latin typeface="Times New Roman" panose="02020603050405020304" pitchFamily="18" charset="0"/>
+              <a:cs typeface="Times New Roman" panose="02020603050405020304" pitchFamily="18" charset="0"/>
+            </a:endParaRPr>
+          </a:p>
+          <a:p>
+            <a:pPr>
+              <a:lnSpc>
+                <a:spcPct val="100000"/>
+              </a:lnSpc>
+              <a:buFont typeface="Wingdings" panose="05000000000000000000" pitchFamily="2" charset="2"/>
+              <a:buChar char="ü"/>
+            </a:pPr>
+            <a:r>
+              <a:rPr lang="pt-BR" dirty="0">
+                <a:latin typeface="Times New Roman" panose="02020603050405020304" pitchFamily="18" charset="0"/>
+                <a:cs typeface="Times New Roman" panose="02020603050405020304" pitchFamily="18" charset="0"/>
+              </a:rPr>
+              <a:t>RF002: O sistema deve manter receitas. </a:t>
+            </a:r>
+            <a:endParaRPr lang="pt-BR" dirty="0" smtClean="0">
+              <a:latin typeface="Times New Roman" panose="02020603050405020304" pitchFamily="18" charset="0"/>
+              <a:cs typeface="Times New Roman" panose="02020603050405020304" pitchFamily="18" charset="0"/>
+            </a:endParaRPr>
+          </a:p>
+          <a:p>
+            <a:pPr>
+              <a:lnSpc>
+                <a:spcPct val="100000"/>
+              </a:lnSpc>
+              <a:buFont typeface="Wingdings" panose="05000000000000000000" pitchFamily="2" charset="2"/>
+              <a:buChar char="ü"/>
+            </a:pPr>
+            <a:r>
+              <a:rPr lang="pt-BR" dirty="0">
+                <a:latin typeface="Times New Roman" panose="02020603050405020304" pitchFamily="18" charset="0"/>
+                <a:cs typeface="Times New Roman" panose="02020603050405020304" pitchFamily="18" charset="0"/>
+              </a:rPr>
+              <a:t>RF003: O sistema deve manter votos. </a:t>
+            </a:r>
+            <a:endParaRPr lang="pt-BR" dirty="0" smtClean="0">
+              <a:latin typeface="Times New Roman" panose="02020603050405020304" pitchFamily="18" charset="0"/>
+              <a:cs typeface="Times New Roman" panose="02020603050405020304" pitchFamily="18" charset="0"/>
+            </a:endParaRPr>
+          </a:p>
+          <a:p>
+            <a:pPr>
+              <a:lnSpc>
+                <a:spcPct val="100000"/>
+              </a:lnSpc>
+              <a:buFont typeface="Wingdings" panose="05000000000000000000" pitchFamily="2" charset="2"/>
+              <a:buChar char="ü"/>
+            </a:pPr>
+            <a:r>
+              <a:rPr lang="pt-BR" dirty="0">
+                <a:latin typeface="Times New Roman" panose="02020603050405020304" pitchFamily="18" charset="0"/>
+                <a:cs typeface="Times New Roman" panose="02020603050405020304" pitchFamily="18" charset="0"/>
+              </a:rPr>
+              <a:t>RF004: O sistema deve manter o tempo de preparo</a:t>
+            </a:r>
+            <a:r>
+              <a:rPr lang="pt-BR" dirty="0" smtClean="0">
+                <a:latin typeface="Times New Roman" panose="02020603050405020304" pitchFamily="18" charset="0"/>
+                <a:cs typeface="Times New Roman" panose="02020603050405020304" pitchFamily="18" charset="0"/>
+              </a:rPr>
+              <a:t>.</a:t>
+            </a:r>
+          </a:p>
+          <a:p>
+            <a:pPr>
+              <a:lnSpc>
+                <a:spcPct val="100000"/>
+              </a:lnSpc>
+              <a:buFont typeface="Wingdings" panose="05000000000000000000" pitchFamily="2" charset="2"/>
+              <a:buChar char="ü"/>
+            </a:pPr>
+            <a:r>
+              <a:rPr lang="pt-BR" dirty="0" smtClean="0">
+                <a:latin typeface="Times New Roman" panose="02020603050405020304" pitchFamily="18" charset="0"/>
+                <a:cs typeface="Times New Roman" panose="02020603050405020304" pitchFamily="18" charset="0"/>
+              </a:rPr>
+              <a:t>RF006</a:t>
+            </a:r>
+            <a:r>
+              <a:rPr lang="pt-BR" dirty="0">
+                <a:latin typeface="Times New Roman" panose="02020603050405020304" pitchFamily="18" charset="0"/>
+                <a:cs typeface="Times New Roman" panose="02020603050405020304" pitchFamily="18" charset="0"/>
+              </a:rPr>
+              <a:t>: O sistema deverá possuir um sistema de </a:t>
+            </a:r>
+            <a:r>
+              <a:rPr lang="pt-BR" dirty="0" err="1">
+                <a:latin typeface="Times New Roman" panose="02020603050405020304" pitchFamily="18" charset="0"/>
+                <a:cs typeface="Times New Roman" panose="02020603050405020304" pitchFamily="18" charset="0"/>
+              </a:rPr>
+              <a:t>ranqueamento</a:t>
+            </a:r>
+            <a:r>
+              <a:rPr lang="pt-BR" dirty="0">
+                <a:latin typeface="Times New Roman" panose="02020603050405020304" pitchFamily="18" charset="0"/>
+                <a:cs typeface="Times New Roman" panose="02020603050405020304" pitchFamily="18" charset="0"/>
+              </a:rPr>
+              <a:t> de receitas baseados nos votos. </a:t>
+            </a:r>
+            <a:endParaRPr lang="pt-BR" dirty="0" smtClean="0">
+              <a:latin typeface="Times New Roman" panose="02020603050405020304" pitchFamily="18" charset="0"/>
+              <a:cs typeface="Times New Roman" panose="02020603050405020304" pitchFamily="18" charset="0"/>
+            </a:endParaRPr>
+          </a:p>
+          <a:p>
+            <a:pPr>
+              <a:lnSpc>
+                <a:spcPct val="100000"/>
+              </a:lnSpc>
+              <a:buFont typeface="Wingdings" panose="05000000000000000000" pitchFamily="2" charset="2"/>
+              <a:buChar char="ü"/>
+            </a:pPr>
+            <a:r>
+              <a:rPr lang="pt-BR" dirty="0">
+                <a:latin typeface="Times New Roman" panose="02020603050405020304" pitchFamily="18" charset="0"/>
+                <a:cs typeface="Times New Roman" panose="02020603050405020304" pitchFamily="18" charset="0"/>
+              </a:rPr>
+              <a:t>RNF001: O sistema deve permitir apenas a visualização de receitas à visitantes (usuários não cadastrados</a:t>
+            </a:r>
+            <a:r>
+              <a:rPr lang="pt-BR" dirty="0" smtClean="0">
+                <a:latin typeface="Times New Roman" panose="02020603050405020304" pitchFamily="18" charset="0"/>
+                <a:cs typeface="Times New Roman" panose="02020603050405020304" pitchFamily="18" charset="0"/>
+              </a:rPr>
+              <a:t>).</a:t>
+            </a:r>
+          </a:p>
+          <a:p>
+            <a:pPr>
+              <a:lnSpc>
+                <a:spcPct val="100000"/>
+              </a:lnSpc>
+              <a:buFont typeface="Wingdings" panose="05000000000000000000" pitchFamily="2" charset="2"/>
+              <a:buChar char="ü"/>
+            </a:pPr>
+            <a:r>
+              <a:rPr lang="pt-BR" dirty="0">
+                <a:latin typeface="Times New Roman" panose="02020603050405020304" pitchFamily="18" charset="0"/>
+                <a:cs typeface="Times New Roman" panose="02020603050405020304" pitchFamily="18" charset="0"/>
+              </a:rPr>
+              <a:t>RNF002: O sistema deve permitir o cadastro de receitas apenas à usuários cadastrados</a:t>
+            </a:r>
+            <a:r>
+              <a:rPr lang="pt-BR" dirty="0" smtClean="0">
+                <a:latin typeface="Times New Roman" panose="02020603050405020304" pitchFamily="18" charset="0"/>
+                <a:cs typeface="Times New Roman" panose="02020603050405020304" pitchFamily="18" charset="0"/>
+              </a:rPr>
+              <a:t>.</a:t>
+            </a:r>
+          </a:p>
+          <a:p>
+            <a:pPr>
+              <a:lnSpc>
+                <a:spcPct val="100000"/>
+              </a:lnSpc>
+              <a:buFont typeface="Wingdings" panose="05000000000000000000" pitchFamily="2" charset="2"/>
+              <a:buChar char="ü"/>
+            </a:pPr>
+            <a:r>
+              <a:rPr lang="pt-BR" dirty="0">
+                <a:latin typeface="Times New Roman" panose="02020603050405020304" pitchFamily="18" charset="0"/>
+                <a:cs typeface="Times New Roman" panose="02020603050405020304" pitchFamily="18" charset="0"/>
+              </a:rPr>
+              <a:t>RNF003: O sistema deve liberar a opção de votos apenas a usuários cadastrados.</a:t>
+            </a:r>
+            <a:endParaRPr lang="pt-BR" dirty="0" smtClean="0">
+              <a:latin typeface="Times New Roman" panose="02020603050405020304" pitchFamily="18" charset="0"/>
+              <a:cs typeface="Times New Roman" panose="02020603050405020304" pitchFamily="18" charset="0"/>
+            </a:endParaRPr>
+          </a:p>
+        </p:txBody>
+      </p:sp>
     </p:spTree>
     <p:extLst>
       <p:ext uri="{BB962C8B-B14F-4D97-AF65-F5344CB8AC3E}">
-        <p14:creationId xmlns:p14="http://schemas.microsoft.com/office/powerpoint/2010/main" val="1573353847"/>
+        <p14:creationId xmlns:p14="http://schemas.microsoft.com/office/powerpoint/2010/main" val="2733379579"/>
       </p:ext>
     </p:extLst>
   </p:cSld>
@@ -6971,7 +8269,7 @@
                 <a:latin typeface="Times New Roman" panose="02020603050405020304" pitchFamily="18" charset="0"/>
                 <a:cs typeface="Times New Roman" panose="02020603050405020304" pitchFamily="18" charset="0"/>
               </a:rPr>
-              <a:t>Resultados</a:t>
+              <a:t>MER</a:t>
             </a:r>
             <a:endParaRPr lang="pt-BR" dirty="0">
               <a:latin typeface="Times New Roman" panose="02020603050405020304" pitchFamily="18" charset="0"/>
@@ -7011,7 +8309,7 @@
       </p:pic>
       <p:pic>
         <p:nvPicPr>
-          <p:cNvPr id="7" name="Imagem 6"/>
+          <p:cNvPr id="3" name="Imagem 2"/>
           <p:cNvPicPr>
             <a:picLocks noChangeAspect="1"/>
           </p:cNvPicPr>
@@ -7031,8 +8329,8 @@
         </p:blipFill>
         <p:spPr>
           <a:xfrm>
-            <a:off x="1142999" y="1947761"/>
-            <a:ext cx="10058400" cy="3352800"/>
+            <a:off x="1186543" y="2363190"/>
+            <a:ext cx="9971313" cy="2899008"/>
           </a:xfrm>
           <a:prstGeom prst="rect">
             <a:avLst/>
@@ -7042,7 +8340,7 @@
     </p:spTree>
     <p:extLst>
       <p:ext uri="{BB962C8B-B14F-4D97-AF65-F5344CB8AC3E}">
-        <p14:creationId xmlns:p14="http://schemas.microsoft.com/office/powerpoint/2010/main" val="3567654387"/>
+        <p14:creationId xmlns:p14="http://schemas.microsoft.com/office/powerpoint/2010/main" val="3421382171"/>
       </p:ext>
     </p:extLst>
   </p:cSld>
@@ -7102,7 +8400,7 @@
                 <a:latin typeface="Times New Roman" panose="02020603050405020304" pitchFamily="18" charset="0"/>
                 <a:cs typeface="Times New Roman" panose="02020603050405020304" pitchFamily="18" charset="0"/>
               </a:rPr>
-              <a:t>Página inicial</a:t>
+              <a:t>DIAGRAMA DE CLASSE</a:t>
             </a:r>
             <a:endParaRPr lang="pt-BR" dirty="0">
               <a:latin typeface="Times New Roman" panose="02020603050405020304" pitchFamily="18" charset="0"/>
@@ -7162,61 +8460,18 @@
         </p:blipFill>
         <p:spPr>
           <a:xfrm>
-            <a:off x="2103415" y="1947761"/>
-            <a:ext cx="8137568" cy="4256481"/>
+            <a:off x="1104005" y="2220685"/>
+            <a:ext cx="10136388" cy="3835730"/>
           </a:xfrm>
           <a:prstGeom prst="rect">
             <a:avLst/>
           </a:prstGeom>
         </p:spPr>
       </p:pic>
-      <p:sp>
-        <p:nvSpPr>
-          <p:cNvPr id="6" name="CaixaDeTexto 5"/>
-          <p:cNvSpPr txBox="1"/>
-          <p:nvPr/>
-        </p:nvSpPr>
-        <p:spPr>
-          <a:xfrm>
-            <a:off x="0" y="6414643"/>
-            <a:ext cx="12192000" cy="369332"/>
-          </a:xfrm>
-          <a:prstGeom prst="rect">
-            <a:avLst/>
-          </a:prstGeom>
-          <a:noFill/>
-        </p:spPr>
-        <p:txBody>
-          <a:bodyPr wrap="square" rtlCol="0">
-            <a:spAutoFit/>
-          </a:bodyPr>
-          <a:lstStyle/>
-          <a:p>
-            <a:pPr algn="ctr"/>
-            <a:r>
-              <a:rPr lang="pt-BR" dirty="0" smtClean="0">
-                <a:solidFill>
-                  <a:schemeClr val="bg1"/>
-                </a:solidFill>
-                <a:latin typeface="Times New Roman" panose="02020603050405020304" pitchFamily="18" charset="0"/>
-                <a:cs typeface="Times New Roman" panose="02020603050405020304" pitchFamily="18" charset="0"/>
-              </a:rPr>
-              <a:t>Figura 1: Página inicial do site</a:t>
-            </a:r>
-            <a:endParaRPr lang="pt-BR" dirty="0">
-              <a:solidFill>
-                <a:schemeClr val="bg1"/>
-              </a:solidFill>
-              <a:latin typeface="Times New Roman" panose="02020603050405020304" pitchFamily="18" charset="0"/>
-              <a:cs typeface="Times New Roman" panose="02020603050405020304" pitchFamily="18" charset="0"/>
-            </a:endParaRPr>
-          </a:p>
-        </p:txBody>
-      </p:sp>
     </p:spTree>
     <p:extLst>
       <p:ext uri="{BB962C8B-B14F-4D97-AF65-F5344CB8AC3E}">
-        <p14:creationId xmlns:p14="http://schemas.microsoft.com/office/powerpoint/2010/main" val="1169132936"/>
+        <p14:creationId xmlns:p14="http://schemas.microsoft.com/office/powerpoint/2010/main" val="1573353847"/>
       </p:ext>
     </p:extLst>
   </p:cSld>
@@ -7276,7 +8531,7 @@
                 <a:latin typeface="Times New Roman" panose="02020603050405020304" pitchFamily="18" charset="0"/>
                 <a:cs typeface="Times New Roman" panose="02020603050405020304" pitchFamily="18" charset="0"/>
               </a:rPr>
-              <a:t>Página de cadastro</a:t>
+              <a:t>RESULTADOS</a:t>
             </a:r>
             <a:endParaRPr lang="pt-BR" dirty="0">
               <a:latin typeface="Times New Roman" panose="02020603050405020304" pitchFamily="18" charset="0"/>
@@ -7316,7 +8571,7 @@
       </p:pic>
       <p:pic>
         <p:nvPicPr>
-          <p:cNvPr id="3" name="Imagem 2"/>
+          <p:cNvPr id="7" name="Imagem 6"/>
           <p:cNvPicPr>
             <a:picLocks noChangeAspect="1"/>
           </p:cNvPicPr>
@@ -7336,61 +8591,18 @@
         </p:blipFill>
         <p:spPr>
           <a:xfrm>
-            <a:off x="2069273" y="1947761"/>
-            <a:ext cx="8202882" cy="4274999"/>
+            <a:off x="1142999" y="1947761"/>
+            <a:ext cx="10058400" cy="3352800"/>
           </a:xfrm>
           <a:prstGeom prst="rect">
             <a:avLst/>
           </a:prstGeom>
         </p:spPr>
       </p:pic>
-      <p:sp>
-        <p:nvSpPr>
-          <p:cNvPr id="6" name="CaixaDeTexto 5"/>
-          <p:cNvSpPr txBox="1"/>
-          <p:nvPr/>
-        </p:nvSpPr>
-        <p:spPr>
-          <a:xfrm>
-            <a:off x="0" y="6414643"/>
-            <a:ext cx="12192000" cy="369332"/>
-          </a:xfrm>
-          <a:prstGeom prst="rect">
-            <a:avLst/>
-          </a:prstGeom>
-          <a:noFill/>
-        </p:spPr>
-        <p:txBody>
-          <a:bodyPr wrap="square" rtlCol="0">
-            <a:spAutoFit/>
-          </a:bodyPr>
-          <a:lstStyle/>
-          <a:p>
-            <a:pPr algn="ctr"/>
-            <a:r>
-              <a:rPr lang="pt-BR" dirty="0" smtClean="0">
-                <a:solidFill>
-                  <a:schemeClr val="bg1"/>
-                </a:solidFill>
-                <a:latin typeface="Times New Roman" panose="02020603050405020304" pitchFamily="18" charset="0"/>
-                <a:cs typeface="Times New Roman" panose="02020603050405020304" pitchFamily="18" charset="0"/>
-              </a:rPr>
-              <a:t>Figura 12: Página de cadastro</a:t>
-            </a:r>
-            <a:endParaRPr lang="pt-BR" dirty="0">
-              <a:solidFill>
-                <a:schemeClr val="bg1"/>
-              </a:solidFill>
-              <a:latin typeface="Times New Roman" panose="02020603050405020304" pitchFamily="18" charset="0"/>
-              <a:cs typeface="Times New Roman" panose="02020603050405020304" pitchFamily="18" charset="0"/>
-            </a:endParaRPr>
-          </a:p>
-        </p:txBody>
-      </p:sp>
     </p:spTree>
     <p:extLst>
       <p:ext uri="{BB962C8B-B14F-4D97-AF65-F5344CB8AC3E}">
-        <p14:creationId xmlns:p14="http://schemas.microsoft.com/office/powerpoint/2010/main" val="2307223767"/>
+        <p14:creationId xmlns:p14="http://schemas.microsoft.com/office/powerpoint/2010/main" val="3567654387"/>
       </p:ext>
     </p:extLst>
   </p:cSld>
